--- a/codoping fig 3.pptx
+++ b/codoping fig 3.pptx
@@ -7,9 +7,11 @@
   <p:sldIdLst>
     <p:sldId id="269" r:id="rId2"/>
     <p:sldId id="270" r:id="rId3"/>
-    <p:sldId id="271" r:id="rId4"/>
-    <p:sldId id="272" r:id="rId5"/>
-    <p:sldId id="273" r:id="rId6"/>
+    <p:sldId id="274" r:id="rId4"/>
+    <p:sldId id="275" r:id="rId5"/>
+    <p:sldId id="271" r:id="rId6"/>
+    <p:sldId id="272" r:id="rId7"/>
+    <p:sldId id="273" r:id="rId8"/>
   </p:sldIdLst>
   <p:sldSz cx="12192000" cy="6858000"/>
   <p:notesSz cx="6858000" cy="9144000"/>
@@ -449,7 +451,7 @@
           <a:p>
             <a:fld id="{B3549BED-1C88-4C2B-9B9B-57579E417AE8}" type="datetimeFigureOut">
               <a:rPr lang="en-SG" smtClean="0"/>
-              <a:t>5/10/2025</a:t>
+              <a:t>19/10/2025</a:t>
             </a:fld>
             <a:endParaRPr lang="en-SG"/>
           </a:p>
@@ -649,7 +651,7 @@
           <a:p>
             <a:fld id="{B3549BED-1C88-4C2B-9B9B-57579E417AE8}" type="datetimeFigureOut">
               <a:rPr lang="en-SG" smtClean="0"/>
-              <a:t>5/10/2025</a:t>
+              <a:t>19/10/2025</a:t>
             </a:fld>
             <a:endParaRPr lang="en-SG"/>
           </a:p>
@@ -859,7 +861,7 @@
           <a:p>
             <a:fld id="{B3549BED-1C88-4C2B-9B9B-57579E417AE8}" type="datetimeFigureOut">
               <a:rPr lang="en-SG" smtClean="0"/>
-              <a:t>5/10/2025</a:t>
+              <a:t>19/10/2025</a:t>
             </a:fld>
             <a:endParaRPr lang="en-SG"/>
           </a:p>
@@ -1059,7 +1061,7 @@
           <a:p>
             <a:fld id="{B3549BED-1C88-4C2B-9B9B-57579E417AE8}" type="datetimeFigureOut">
               <a:rPr lang="en-SG" smtClean="0"/>
-              <a:t>5/10/2025</a:t>
+              <a:t>19/10/2025</a:t>
             </a:fld>
             <a:endParaRPr lang="en-SG"/>
           </a:p>
@@ -1335,7 +1337,7 @@
           <a:p>
             <a:fld id="{B3549BED-1C88-4C2B-9B9B-57579E417AE8}" type="datetimeFigureOut">
               <a:rPr lang="en-SG" smtClean="0"/>
-              <a:t>5/10/2025</a:t>
+              <a:t>19/10/2025</a:t>
             </a:fld>
             <a:endParaRPr lang="en-SG"/>
           </a:p>
@@ -1603,7 +1605,7 @@
           <a:p>
             <a:fld id="{B3549BED-1C88-4C2B-9B9B-57579E417AE8}" type="datetimeFigureOut">
               <a:rPr lang="en-SG" smtClean="0"/>
-              <a:t>5/10/2025</a:t>
+              <a:t>19/10/2025</a:t>
             </a:fld>
             <a:endParaRPr lang="en-SG"/>
           </a:p>
@@ -2018,7 +2020,7 @@
           <a:p>
             <a:fld id="{B3549BED-1C88-4C2B-9B9B-57579E417AE8}" type="datetimeFigureOut">
               <a:rPr lang="en-SG" smtClean="0"/>
-              <a:t>5/10/2025</a:t>
+              <a:t>19/10/2025</a:t>
             </a:fld>
             <a:endParaRPr lang="en-SG"/>
           </a:p>
@@ -2160,7 +2162,7 @@
           <a:p>
             <a:fld id="{B3549BED-1C88-4C2B-9B9B-57579E417AE8}" type="datetimeFigureOut">
               <a:rPr lang="en-SG" smtClean="0"/>
-              <a:t>5/10/2025</a:t>
+              <a:t>19/10/2025</a:t>
             </a:fld>
             <a:endParaRPr lang="en-SG"/>
           </a:p>
@@ -2273,7 +2275,7 @@
           <a:p>
             <a:fld id="{B3549BED-1C88-4C2B-9B9B-57579E417AE8}" type="datetimeFigureOut">
               <a:rPr lang="en-SG" smtClean="0"/>
-              <a:t>5/10/2025</a:t>
+              <a:t>19/10/2025</a:t>
             </a:fld>
             <a:endParaRPr lang="en-SG"/>
           </a:p>
@@ -2586,7 +2588,7 @@
           <a:p>
             <a:fld id="{B3549BED-1C88-4C2B-9B9B-57579E417AE8}" type="datetimeFigureOut">
               <a:rPr lang="en-SG" smtClean="0"/>
-              <a:t>5/10/2025</a:t>
+              <a:t>19/10/2025</a:t>
             </a:fld>
             <a:endParaRPr lang="en-SG"/>
           </a:p>
@@ -2875,7 +2877,7 @@
           <a:p>
             <a:fld id="{B3549BED-1C88-4C2B-9B9B-57579E417AE8}" type="datetimeFigureOut">
               <a:rPr lang="en-SG" smtClean="0"/>
-              <a:t>5/10/2025</a:t>
+              <a:t>19/10/2025</a:t>
             </a:fld>
             <a:endParaRPr lang="en-SG"/>
           </a:p>
@@ -3118,7 +3120,7 @@
           <a:p>
             <a:fld id="{B3549BED-1C88-4C2B-9B9B-57579E417AE8}" type="datetimeFigureOut">
               <a:rPr lang="en-SG" smtClean="0"/>
-              <a:t>5/10/2025</a:t>
+              <a:t>19/10/2025</a:t>
             </a:fld>
             <a:endParaRPr lang="en-SG"/>
           </a:p>
@@ -3537,10 +3539,10 @@
       </p:grpSpPr>
       <p:pic>
         <p:nvPicPr>
-          <p:cNvPr id="1058" name="Picture 34">
-            <a:extLst>
-              <a:ext uri="{FF2B5EF4-FFF2-40B4-BE49-F238E27FC236}">
-                <a16:creationId xmlns:a16="http://schemas.microsoft.com/office/drawing/2014/main" id="{1CB00A7B-CF9C-520B-23D9-EDAE3958E4DB}"/>
+          <p:cNvPr id="1046" name="Picture 22">
+            <a:extLst>
+              <a:ext uri="{FF2B5EF4-FFF2-40B4-BE49-F238E27FC236}">
+                <a16:creationId xmlns:a16="http://schemas.microsoft.com/office/drawing/2014/main" id="{7CA13C14-A0AA-F61B-DAD3-01A43FDCCF89}"/>
               </a:ext>
             </a:extLst>
           </p:cNvPr>
@@ -3564,8 +3566,8 @@
         </p:blipFill>
         <p:spPr bwMode="auto">
           <a:xfrm>
-            <a:off x="191479" y="3551486"/>
-            <a:ext cx="1851601" cy="1433005"/>
+            <a:off x="5324805" y="4512462"/>
+            <a:ext cx="6030082" cy="2271487"/>
           </a:xfrm>
           <a:prstGeom prst="rect">
             <a:avLst/>
@@ -3584,10 +3586,10 @@
       </p:pic>
       <p:pic>
         <p:nvPicPr>
-          <p:cNvPr id="1026" name="Picture 2">
-            <a:extLst>
-              <a:ext uri="{FF2B5EF4-FFF2-40B4-BE49-F238E27FC236}">
-                <a16:creationId xmlns:a16="http://schemas.microsoft.com/office/drawing/2014/main" id="{F1D799EF-62E1-6B0A-5A03-9E1A8AA0034F}"/>
+          <p:cNvPr id="1048" name="Picture 24">
+            <a:extLst>
+              <a:ext uri="{FF2B5EF4-FFF2-40B4-BE49-F238E27FC236}">
+                <a16:creationId xmlns:a16="http://schemas.microsoft.com/office/drawing/2014/main" id="{59C6B301-294C-BF01-97E7-A56B9A00A185}"/>
               </a:ext>
             </a:extLst>
           </p:cNvPr>
@@ -3611,8 +3613,102 @@
         </p:blipFill>
         <p:spPr bwMode="auto">
           <a:xfrm>
-            <a:off x="5857033" y="3540742"/>
-            <a:ext cx="2529167" cy="2206294"/>
+            <a:off x="4976942" y="2408438"/>
+            <a:ext cx="3806102" cy="2029248"/>
+          </a:xfrm>
+          <a:prstGeom prst="rect">
+            <a:avLst/>
+          </a:prstGeom>
+          <a:noFill/>
+          <a:extLst>
+            <a:ext uri="{909E8E84-426E-40DD-AFC4-6F175D3DCCD1}">
+              <a14:hiddenFill xmlns:a14="http://schemas.microsoft.com/office/drawing/2010/main">
+                <a:solidFill>
+                  <a:srgbClr val="FFFFFF"/>
+                </a:solidFill>
+              </a14:hiddenFill>
+            </a:ext>
+          </a:extLst>
+        </p:spPr>
+      </p:pic>
+      <p:pic>
+        <p:nvPicPr>
+          <p:cNvPr id="1050" name="Picture 26">
+            <a:extLst>
+              <a:ext uri="{FF2B5EF4-FFF2-40B4-BE49-F238E27FC236}">
+                <a16:creationId xmlns:a16="http://schemas.microsoft.com/office/drawing/2014/main" id="{A17B4BAF-7550-AEF3-E0CA-65DE9A8223DC}"/>
+              </a:ext>
+            </a:extLst>
+          </p:cNvPr>
+          <p:cNvPicPr>
+            <a:picLocks noChangeAspect="1" noChangeArrowheads="1"/>
+          </p:cNvPicPr>
+          <p:nvPr/>
+        </p:nvPicPr>
+        <p:blipFill>
+          <a:blip r:embed="rId4">
+            <a:extLst>
+              <a:ext uri="{28A0092B-C50C-407E-A947-70E740481C1C}">
+                <a14:useLocalDpi xmlns:a14="http://schemas.microsoft.com/office/drawing/2010/main" val="0"/>
+              </a:ext>
+            </a:extLst>
+          </a:blip>
+          <a:srcRect/>
+          <a:stretch>
+            <a:fillRect/>
+          </a:stretch>
+        </p:blipFill>
+        <p:spPr bwMode="auto">
+          <a:xfrm>
+            <a:off x="8017394" y="2408438"/>
+            <a:ext cx="3806102" cy="2029248"/>
+          </a:xfrm>
+          <a:prstGeom prst="rect">
+            <a:avLst/>
+          </a:prstGeom>
+          <a:noFill/>
+          <a:extLst>
+            <a:ext uri="{909E8E84-426E-40DD-AFC4-6F175D3DCCD1}">
+              <a14:hiddenFill xmlns:a14="http://schemas.microsoft.com/office/drawing/2010/main">
+                <a:solidFill>
+                  <a:srgbClr val="FFFFFF"/>
+                </a:solidFill>
+              </a14:hiddenFill>
+            </a:ext>
+          </a:extLst>
+        </p:spPr>
+      </p:pic>
+      <p:pic>
+        <p:nvPicPr>
+          <p:cNvPr id="9" name="Picture 14">
+            <a:extLst>
+              <a:ext uri="{FF2B5EF4-FFF2-40B4-BE49-F238E27FC236}">
+                <a16:creationId xmlns:a16="http://schemas.microsoft.com/office/drawing/2014/main" id="{F21EC9BA-B6B8-B0A3-4AE9-43766C7325A1}"/>
+              </a:ext>
+            </a:extLst>
+          </p:cNvPr>
+          <p:cNvPicPr>
+            <a:picLocks noChangeAspect="1" noChangeArrowheads="1"/>
+          </p:cNvPicPr>
+          <p:nvPr/>
+        </p:nvPicPr>
+        <p:blipFill>
+          <a:blip r:embed="rId5">
+            <a:extLst>
+              <a:ext uri="{28A0092B-C50C-407E-A947-70E740481C1C}">
+                <a14:useLocalDpi xmlns:a14="http://schemas.microsoft.com/office/drawing/2010/main" val="0"/>
+              </a:ext>
+            </a:extLst>
+          </a:blip>
+          <a:srcRect/>
+          <a:stretch>
+            <a:fillRect/>
+          </a:stretch>
+        </p:blipFill>
+        <p:spPr bwMode="auto">
+          <a:xfrm>
+            <a:off x="5007812" y="6609"/>
+            <a:ext cx="6019165" cy="2437464"/>
           </a:xfrm>
           <a:prstGeom prst="rect">
             <a:avLst/>
@@ -3643,7 +3739,7 @@
         </p:nvSpPr>
         <p:spPr>
           <a:xfrm>
-            <a:off x="-18729" y="0"/>
+            <a:off x="397831" y="0"/>
             <a:ext cx="420417" cy="271949"/>
           </a:xfrm>
           <a:prstGeom prst="rect">
@@ -3678,7 +3774,7 @@
         </p:nvSpPr>
         <p:spPr>
           <a:xfrm>
-            <a:off x="5555155" y="3537662"/>
+            <a:off x="4766734" y="2333662"/>
             <a:ext cx="420417" cy="258729"/>
           </a:xfrm>
           <a:prstGeom prst="rect">
@@ -3713,7 +3809,7 @@
         </p:nvSpPr>
         <p:spPr>
           <a:xfrm>
-            <a:off x="5550476" y="5704097"/>
+            <a:off x="4797604" y="4647778"/>
             <a:ext cx="420417" cy="369332"/>
           </a:xfrm>
           <a:prstGeom prst="rect">
@@ -3736,83 +3832,6 @@
       </p:sp>
       <p:pic>
         <p:nvPicPr>
-          <p:cNvPr id="2" name="Picture 1">
-            <a:extLst>
-              <a:ext uri="{FF2B5EF4-FFF2-40B4-BE49-F238E27FC236}">
-                <a16:creationId xmlns:a16="http://schemas.microsoft.com/office/drawing/2014/main" id="{948873BC-A042-D4AF-BB27-5E63C0085C31}"/>
-              </a:ext>
-            </a:extLst>
-          </p:cNvPr>
-          <p:cNvPicPr>
-            <a:picLocks noChangeAspect="1"/>
-          </p:cNvPicPr>
-          <p:nvPr/>
-        </p:nvPicPr>
-        <p:blipFill>
-          <a:blip r:embed="rId4"/>
-          <a:stretch>
-            <a:fillRect/>
-          </a:stretch>
-        </p:blipFill>
-        <p:spPr>
-          <a:xfrm>
-            <a:off x="845980" y="89707"/>
-            <a:ext cx="10500040" cy="3322797"/>
-          </a:xfrm>
-          <a:prstGeom prst="rect">
-            <a:avLst/>
-          </a:prstGeom>
-        </p:spPr>
-      </p:pic>
-      <p:pic>
-        <p:nvPicPr>
-          <p:cNvPr id="1028" name="Picture 4">
-            <a:extLst>
-              <a:ext uri="{FF2B5EF4-FFF2-40B4-BE49-F238E27FC236}">
-                <a16:creationId xmlns:a16="http://schemas.microsoft.com/office/drawing/2014/main" id="{42FEA3AF-744E-98A5-F021-75ECF0E97D94}"/>
-              </a:ext>
-            </a:extLst>
-          </p:cNvPr>
-          <p:cNvPicPr>
-            <a:picLocks noChangeAspect="1" noChangeArrowheads="1"/>
-          </p:cNvPicPr>
-          <p:nvPr/>
-        </p:nvPicPr>
-        <p:blipFill>
-          <a:blip r:embed="rId5">
-            <a:extLst>
-              <a:ext uri="{28A0092B-C50C-407E-A947-70E740481C1C}">
-                <a14:useLocalDpi xmlns:a14="http://schemas.microsoft.com/office/drawing/2010/main" val="0"/>
-              </a:ext>
-            </a:extLst>
-          </a:blip>
-          <a:srcRect/>
-          <a:stretch>
-            <a:fillRect/>
-          </a:stretch>
-        </p:blipFill>
-        <p:spPr bwMode="auto">
-          <a:xfrm>
-            <a:off x="8563056" y="3535715"/>
-            <a:ext cx="2448448" cy="2206294"/>
-          </a:xfrm>
-          <a:prstGeom prst="rect">
-            <a:avLst/>
-          </a:prstGeom>
-          <a:noFill/>
-          <a:extLst>
-            <a:ext uri="{909E8E84-426E-40DD-AFC4-6F175D3DCCD1}">
-              <a14:hiddenFill xmlns:a14="http://schemas.microsoft.com/office/drawing/2010/main">
-                <a:solidFill>
-                  <a:srgbClr val="FFFFFF"/>
-                </a:solidFill>
-              </a14:hiddenFill>
-            </a:ext>
-          </a:extLst>
-        </p:spPr>
-      </p:pic>
-      <p:pic>
-        <p:nvPicPr>
           <p:cNvPr id="5" name="Picture 8">
             <a:extLst>
               <a:ext uri="{FF2B5EF4-FFF2-40B4-BE49-F238E27FC236}">
@@ -3840,149 +3859,8 @@
         </p:blipFill>
         <p:spPr bwMode="auto">
           <a:xfrm>
-            <a:off x="11163808" y="4024155"/>
+            <a:off x="11018316" y="761791"/>
             <a:ext cx="805180" cy="927100"/>
-          </a:xfrm>
-          <a:prstGeom prst="rect">
-            <a:avLst/>
-          </a:prstGeom>
-          <a:noFill/>
-          <a:extLst>
-            <a:ext uri="{909E8E84-426E-40DD-AFC4-6F175D3DCCD1}">
-              <a14:hiddenFill xmlns:a14="http://schemas.microsoft.com/office/drawing/2010/main">
-                <a:solidFill>
-                  <a:srgbClr val="FFFFFF"/>
-                </a:solidFill>
-              </a14:hiddenFill>
-            </a:ext>
-          </a:extLst>
-        </p:spPr>
-      </p:pic>
-      <p:pic>
-        <p:nvPicPr>
-          <p:cNvPr id="1038" name="Picture 14">
-            <a:extLst>
-              <a:ext uri="{FF2B5EF4-FFF2-40B4-BE49-F238E27FC236}">
-                <a16:creationId xmlns:a16="http://schemas.microsoft.com/office/drawing/2014/main" id="{CF647003-22BB-EF70-D708-93AFBB8475C5}"/>
-              </a:ext>
-            </a:extLst>
-          </p:cNvPr>
-          <p:cNvPicPr>
-            <a:picLocks noChangeAspect="1" noChangeArrowheads="1"/>
-          </p:cNvPicPr>
-          <p:nvPr/>
-        </p:nvPicPr>
-        <p:blipFill rotWithShape="1">
-          <a:blip r:embed="rId7">
-            <a:extLst>
-              <a:ext uri="{28A0092B-C50C-407E-A947-70E740481C1C}">
-                <a14:useLocalDpi xmlns:a14="http://schemas.microsoft.com/office/drawing/2010/main" val="0"/>
-              </a:ext>
-            </a:extLst>
-          </a:blip>
-          <a:srcRect/>
-          <a:stretch>
-            <a:fillRect/>
-          </a:stretch>
-        </p:blipFill>
-        <p:spPr bwMode="auto">
-          <a:xfrm>
-            <a:off x="5970893" y="5742009"/>
-            <a:ext cx="3361157" cy="2076207"/>
-          </a:xfrm>
-          <a:prstGeom prst="rect">
-            <a:avLst/>
-          </a:prstGeom>
-          <a:noFill/>
-          <a:extLst>
-            <a:ext uri="{909E8E84-426E-40DD-AFC4-6F175D3DCCD1}">
-              <a14:hiddenFill xmlns:a14="http://schemas.microsoft.com/office/drawing/2010/main">
-                <a:solidFill>
-                  <a:srgbClr val="FFFFFF"/>
-                </a:solidFill>
-              </a14:hiddenFill>
-            </a:ext>
-          </a:extLst>
-        </p:spPr>
-      </p:pic>
-      <p:pic>
-        <p:nvPicPr>
-          <p:cNvPr id="1040" name="Picture 16">
-            <a:extLst>
-              <a:ext uri="{FF2B5EF4-FFF2-40B4-BE49-F238E27FC236}">
-                <a16:creationId xmlns:a16="http://schemas.microsoft.com/office/drawing/2014/main" id="{F0674B1B-38BE-AD29-68D2-045F081E3EB2}"/>
-              </a:ext>
-            </a:extLst>
-          </p:cNvPr>
-          <p:cNvPicPr>
-            <a:picLocks noChangeAspect="1" noChangeArrowheads="1"/>
-          </p:cNvPicPr>
-          <p:nvPr/>
-        </p:nvPicPr>
-        <p:blipFill>
-          <a:blip r:embed="rId8">
-            <a:extLst>
-              <a:ext uri="{28A0092B-C50C-407E-A947-70E740481C1C}">
-                <a14:useLocalDpi xmlns:a14="http://schemas.microsoft.com/office/drawing/2010/main" val="0"/>
-              </a:ext>
-            </a:extLst>
-          </a:blip>
-          <a:srcRect/>
-          <a:stretch>
-            <a:fillRect/>
-          </a:stretch>
-        </p:blipFill>
-        <p:spPr bwMode="auto">
-          <a:xfrm>
-            <a:off x="8806617" y="5751827"/>
-            <a:ext cx="3361157" cy="2076208"/>
-          </a:xfrm>
-          <a:prstGeom prst="rect">
-            <a:avLst/>
-          </a:prstGeom>
-          <a:noFill/>
-          <a:extLst>
-            <a:ext uri="{909E8E84-426E-40DD-AFC4-6F175D3DCCD1}">
-              <a14:hiddenFill xmlns:a14="http://schemas.microsoft.com/office/drawing/2010/main">
-                <a:solidFill>
-                  <a:srgbClr val="FFFFFF"/>
-                </a:solidFill>
-              </a14:hiddenFill>
-            </a:ext>
-          </a:extLst>
-        </p:spPr>
-      </p:pic>
-      <p:pic>
-        <p:nvPicPr>
-          <p:cNvPr id="10" name="Picture 14">
-            <a:extLst>
-              <a:ext uri="{FF2B5EF4-FFF2-40B4-BE49-F238E27FC236}">
-                <a16:creationId xmlns:a16="http://schemas.microsoft.com/office/drawing/2014/main" id="{BC777235-34EB-9064-BFA3-F79A6466E3FB}"/>
-              </a:ext>
-            </a:extLst>
-          </p:cNvPr>
-          <p:cNvPicPr>
-            <a:picLocks noChangeAspect="1" noChangeArrowheads="1"/>
-          </p:cNvPicPr>
-          <p:nvPr/>
-        </p:nvPicPr>
-        <p:blipFill rotWithShape="1">
-          <a:blip r:embed="rId7">
-            <a:extLst>
-              <a:ext uri="{28A0092B-C50C-407E-A947-70E740481C1C}">
-                <a14:useLocalDpi xmlns:a14="http://schemas.microsoft.com/office/drawing/2010/main" val="0"/>
-              </a:ext>
-            </a:extLst>
-          </a:blip>
-          <a:srcRect t="91301"/>
-          <a:stretch>
-            <a:fillRect/>
-          </a:stretch>
-        </p:blipFill>
-        <p:spPr bwMode="auto">
-          <a:xfrm>
-            <a:off x="5970893" y="7637604"/>
-            <a:ext cx="3361158" cy="180612"/>
           </a:xfrm>
           <a:prstGeom prst="rect">
             <a:avLst/>
@@ -4013,7 +3891,7 @@
         </p:nvSpPr>
         <p:spPr>
           <a:xfrm>
-            <a:off x="-33274" y="3537662"/>
+            <a:off x="4797604" y="6609"/>
             <a:ext cx="420417" cy="258729"/>
           </a:xfrm>
           <a:prstGeom prst="rect">
@@ -4036,237 +3914,32 @@
       </p:sp>
       <p:pic>
         <p:nvPicPr>
-          <p:cNvPr id="1060" name="Picture 36">
-            <a:extLst>
-              <a:ext uri="{FF2B5EF4-FFF2-40B4-BE49-F238E27FC236}">
-                <a16:creationId xmlns:a16="http://schemas.microsoft.com/office/drawing/2014/main" id="{5A3A86E0-4616-D6C2-4D2D-DBDC82A1EE24}"/>
+          <p:cNvPr id="8" name="Picture 7">
+            <a:extLst>
+              <a:ext uri="{FF2B5EF4-FFF2-40B4-BE49-F238E27FC236}">
+                <a16:creationId xmlns:a16="http://schemas.microsoft.com/office/drawing/2014/main" id="{EEAF4101-BB56-1BC4-BD5B-9F8BEFF1E0F0}"/>
               </a:ext>
             </a:extLst>
           </p:cNvPr>
           <p:cNvPicPr>
-            <a:picLocks noChangeAspect="1" noChangeArrowheads="1"/>
+            <a:picLocks noChangeAspect="1"/>
           </p:cNvPicPr>
           <p:nvPr/>
         </p:nvPicPr>
         <p:blipFill>
-          <a:blip r:embed="rId9">
-            <a:extLst>
-              <a:ext uri="{28A0092B-C50C-407E-A947-70E740481C1C}">
-                <a14:useLocalDpi xmlns:a14="http://schemas.microsoft.com/office/drawing/2010/main" val="0"/>
-              </a:ext>
-            </a:extLst>
-          </a:blip>
-          <a:srcRect/>
+          <a:blip r:embed="rId7"/>
           <a:stretch>
             <a:fillRect/>
           </a:stretch>
         </p:blipFill>
-        <p:spPr bwMode="auto">
+        <p:spPr>
           <a:xfrm>
-            <a:off x="2043080" y="3535715"/>
-            <a:ext cx="1851601" cy="1433005"/>
+            <a:off x="837113" y="-41345"/>
+            <a:ext cx="3572566" cy="6785436"/>
           </a:xfrm>
           <a:prstGeom prst="rect">
             <a:avLst/>
           </a:prstGeom>
-          <a:noFill/>
-          <a:extLst>
-            <a:ext uri="{909E8E84-426E-40DD-AFC4-6F175D3DCCD1}">
-              <a14:hiddenFill xmlns:a14="http://schemas.microsoft.com/office/drawing/2010/main">
-                <a:solidFill>
-                  <a:srgbClr val="FFFFFF"/>
-                </a:solidFill>
-              </a14:hiddenFill>
-            </a:ext>
-          </a:extLst>
-        </p:spPr>
-      </p:pic>
-      <p:pic>
-        <p:nvPicPr>
-          <p:cNvPr id="1062" name="Picture 38">
-            <a:extLst>
-              <a:ext uri="{FF2B5EF4-FFF2-40B4-BE49-F238E27FC236}">
-                <a16:creationId xmlns:a16="http://schemas.microsoft.com/office/drawing/2014/main" id="{358C193B-F6A1-3195-ABAB-49527924F32C}"/>
-              </a:ext>
-            </a:extLst>
-          </p:cNvPr>
-          <p:cNvPicPr>
-            <a:picLocks noChangeAspect="1" noChangeArrowheads="1"/>
-          </p:cNvPicPr>
-          <p:nvPr/>
-        </p:nvPicPr>
-        <p:blipFill>
-          <a:blip r:embed="rId10">
-            <a:extLst>
-              <a:ext uri="{28A0092B-C50C-407E-A947-70E740481C1C}">
-                <a14:useLocalDpi xmlns:a14="http://schemas.microsoft.com/office/drawing/2010/main" val="0"/>
-              </a:ext>
-            </a:extLst>
-          </a:blip>
-          <a:srcRect/>
-          <a:stretch>
-            <a:fillRect/>
-          </a:stretch>
-        </p:blipFill>
-        <p:spPr bwMode="auto">
-          <a:xfrm>
-            <a:off x="3761025" y="3532373"/>
-            <a:ext cx="1851601" cy="1433005"/>
-          </a:xfrm>
-          <a:prstGeom prst="rect">
-            <a:avLst/>
-          </a:prstGeom>
-          <a:noFill/>
-          <a:extLst>
-            <a:ext uri="{909E8E84-426E-40DD-AFC4-6F175D3DCCD1}">
-              <a14:hiddenFill xmlns:a14="http://schemas.microsoft.com/office/drawing/2010/main">
-                <a:solidFill>
-                  <a:srgbClr val="FFFFFF"/>
-                </a:solidFill>
-              </a14:hiddenFill>
-            </a:ext>
-          </a:extLst>
-        </p:spPr>
-      </p:pic>
-      <p:pic>
-        <p:nvPicPr>
-          <p:cNvPr id="1064" name="Picture 40">
-            <a:extLst>
-              <a:ext uri="{FF2B5EF4-FFF2-40B4-BE49-F238E27FC236}">
-                <a16:creationId xmlns:a16="http://schemas.microsoft.com/office/drawing/2014/main" id="{F2AD398C-AD97-1765-04CA-BE062309E6EA}"/>
-              </a:ext>
-            </a:extLst>
-          </p:cNvPr>
-          <p:cNvPicPr>
-            <a:picLocks noChangeAspect="1" noChangeArrowheads="1"/>
-          </p:cNvPicPr>
-          <p:nvPr/>
-        </p:nvPicPr>
-        <p:blipFill>
-          <a:blip r:embed="rId11">
-            <a:extLst>
-              <a:ext uri="{28A0092B-C50C-407E-A947-70E740481C1C}">
-                <a14:useLocalDpi xmlns:a14="http://schemas.microsoft.com/office/drawing/2010/main" val="0"/>
-              </a:ext>
-            </a:extLst>
-          </a:blip>
-          <a:srcRect/>
-          <a:stretch>
-            <a:fillRect/>
-          </a:stretch>
-        </p:blipFill>
-        <p:spPr bwMode="auto">
-          <a:xfrm>
-            <a:off x="181018" y="5290227"/>
-            <a:ext cx="1851601" cy="1433005"/>
-          </a:xfrm>
-          <a:prstGeom prst="rect">
-            <a:avLst/>
-          </a:prstGeom>
-          <a:noFill/>
-          <a:extLst>
-            <a:ext uri="{909E8E84-426E-40DD-AFC4-6F175D3DCCD1}">
-              <a14:hiddenFill xmlns:a14="http://schemas.microsoft.com/office/drawing/2010/main">
-                <a:solidFill>
-                  <a:srgbClr val="FFFFFF"/>
-                </a:solidFill>
-              </a14:hiddenFill>
-            </a:ext>
-          </a:extLst>
-        </p:spPr>
-      </p:pic>
-      <p:pic>
-        <p:nvPicPr>
-          <p:cNvPr id="1066" name="Picture 42">
-            <a:extLst>
-              <a:ext uri="{FF2B5EF4-FFF2-40B4-BE49-F238E27FC236}">
-                <a16:creationId xmlns:a16="http://schemas.microsoft.com/office/drawing/2014/main" id="{130611AA-DF51-57B7-03B4-81C1A318FAF9}"/>
-              </a:ext>
-            </a:extLst>
-          </p:cNvPr>
-          <p:cNvPicPr>
-            <a:picLocks noChangeAspect="1" noChangeArrowheads="1"/>
-          </p:cNvPicPr>
-          <p:nvPr/>
-        </p:nvPicPr>
-        <p:blipFill>
-          <a:blip r:embed="rId12">
-            <a:extLst>
-              <a:ext uri="{28A0092B-C50C-407E-A947-70E740481C1C}">
-                <a14:useLocalDpi xmlns:a14="http://schemas.microsoft.com/office/drawing/2010/main" val="0"/>
-              </a:ext>
-            </a:extLst>
-          </a:blip>
-          <a:srcRect/>
-          <a:stretch>
-            <a:fillRect/>
-          </a:stretch>
-        </p:blipFill>
-        <p:spPr bwMode="auto">
-          <a:xfrm>
-            <a:off x="2143370" y="5206696"/>
-            <a:ext cx="1851601" cy="1433005"/>
-          </a:xfrm>
-          <a:prstGeom prst="rect">
-            <a:avLst/>
-          </a:prstGeom>
-          <a:noFill/>
-          <a:extLst>
-            <a:ext uri="{909E8E84-426E-40DD-AFC4-6F175D3DCCD1}">
-              <a14:hiddenFill xmlns:a14="http://schemas.microsoft.com/office/drawing/2010/main">
-                <a:solidFill>
-                  <a:srgbClr val="FFFFFF"/>
-                </a:solidFill>
-              </a14:hiddenFill>
-            </a:ext>
-          </a:extLst>
-        </p:spPr>
-      </p:pic>
-      <p:pic>
-        <p:nvPicPr>
-          <p:cNvPr id="1068" name="Picture 44">
-            <a:extLst>
-              <a:ext uri="{FF2B5EF4-FFF2-40B4-BE49-F238E27FC236}">
-                <a16:creationId xmlns:a16="http://schemas.microsoft.com/office/drawing/2014/main" id="{E0A58A96-E11A-4CA3-C776-DBF656F8852A}"/>
-              </a:ext>
-            </a:extLst>
-          </p:cNvPr>
-          <p:cNvPicPr>
-            <a:picLocks noChangeAspect="1" noChangeArrowheads="1"/>
-          </p:cNvPicPr>
-          <p:nvPr/>
-        </p:nvPicPr>
-        <p:blipFill>
-          <a:blip r:embed="rId13">
-            <a:extLst>
-              <a:ext uri="{28A0092B-C50C-407E-A947-70E740481C1C}">
-                <a14:useLocalDpi xmlns:a14="http://schemas.microsoft.com/office/drawing/2010/main" val="0"/>
-              </a:ext>
-            </a:extLst>
-          </a:blip>
-          <a:srcRect/>
-          <a:stretch>
-            <a:fillRect/>
-          </a:stretch>
-        </p:blipFill>
-        <p:spPr bwMode="auto">
-          <a:xfrm>
-            <a:off x="4033219" y="5290227"/>
-            <a:ext cx="1851601" cy="1433005"/>
-          </a:xfrm>
-          <a:prstGeom prst="rect">
-            <a:avLst/>
-          </a:prstGeom>
-          <a:noFill/>
-          <a:extLst>
-            <a:ext uri="{909E8E84-426E-40DD-AFC4-6F175D3DCCD1}">
-              <a14:hiddenFill xmlns:a14="http://schemas.microsoft.com/office/drawing/2010/main">
-                <a:solidFill>
-                  <a:srgbClr val="FFFFFF"/>
-                </a:solidFill>
-              </a14:hiddenFill>
-            </a:ext>
-          </a:extLst>
         </p:spPr>
       </p:pic>
     </p:spTree>
@@ -4307,6 +3980,58 @@
           <a:chExt cx="0" cy="0"/>
         </a:xfrm>
       </p:grpSpPr>
+      <p:sp>
+        <p:nvSpPr>
+          <p:cNvPr id="2" name="TextBox 1">
+            <a:extLst>
+              <a:ext uri="{FF2B5EF4-FFF2-40B4-BE49-F238E27FC236}">
+                <a16:creationId xmlns:a16="http://schemas.microsoft.com/office/drawing/2014/main" id="{C68070D9-80BE-36F6-B0D1-4D71F6557515}"/>
+              </a:ext>
+            </a:extLst>
+          </p:cNvPr>
+          <p:cNvSpPr txBox="1"/>
+          <p:nvPr/>
+        </p:nvSpPr>
+        <p:spPr>
+          <a:xfrm>
+            <a:off x="0" y="195997"/>
+            <a:ext cx="12192000" cy="2308324"/>
+          </a:xfrm>
+          <a:prstGeom prst="rect">
+            <a:avLst/>
+          </a:prstGeom>
+          <a:noFill/>
+        </p:spPr>
+        <p:txBody>
+          <a:bodyPr wrap="square" rtlCol="0">
+            <a:spAutoFit/>
+          </a:bodyPr>
+          <a:lstStyle/>
+          <a:p>
+            <a:r>
+              <a:rPr lang="en-SG" dirty="0"/>
+              <a:t>Caption</a:t>
+            </a:r>
+          </a:p>
+          <a:p>
+            <a:endParaRPr lang="en-SG" dirty="0"/>
+          </a:p>
+          <a:p>
+            <a:r>
+              <a:rPr lang="en-US" dirty="0"/>
+              <a:t>Figure 3. Optimization of Yb/Er co-doped </a:t>
+            </a:r>
+            <a:r>
+              <a:rPr lang="en-US" dirty="0" err="1"/>
+              <a:t>CsPbCl</a:t>
+            </a:r>
+            <a:r>
+              <a:rPr lang="en-US" dirty="0"/>
+              <a:t> 3 NCs with DPGAM ligands. a) Active learning workﬂow for simultaneously optimizing both Yb and Er PLQY using a preferential reference point. b) Objective space of all experiments in optimization campaign (including updated reference point) and improvement in Er PLQY across batches, showing convergence by batch 4. c) SHAP analysis of both Yb and Er PLQY from GP model trained on all data points, showing different variable relationships for both. d) Polar plots of all 6 variables across batches, showing convergence towards specific input values.</a:t>
+            </a:r>
+          </a:p>
+        </p:txBody>
+      </p:sp>
     </p:spTree>
     <p:extLst>
       <p:ext uri="{BB962C8B-B14F-4D97-AF65-F5344CB8AC3E}">
@@ -4337,26 +4062,1433 @@
           <a:chExt cx="0" cy="0"/>
         </a:xfrm>
       </p:grpSpPr>
+      <p:sp>
+        <p:nvSpPr>
+          <p:cNvPr id="4" name="TextBox 3">
+            <a:extLst>
+              <a:ext uri="{FF2B5EF4-FFF2-40B4-BE49-F238E27FC236}">
+                <a16:creationId xmlns:a16="http://schemas.microsoft.com/office/drawing/2014/main" id="{6A582920-8E26-28BF-7E5B-20A63F88B861}"/>
+              </a:ext>
+            </a:extLst>
+          </p:cNvPr>
+          <p:cNvSpPr txBox="1"/>
+          <p:nvPr/>
+        </p:nvSpPr>
+        <p:spPr>
+          <a:xfrm>
+            <a:off x="0" y="348397"/>
+            <a:ext cx="12192000" cy="4801314"/>
+          </a:xfrm>
+          <a:prstGeom prst="rect">
+            <a:avLst/>
+          </a:prstGeom>
+          <a:noFill/>
+        </p:spPr>
+        <p:txBody>
+          <a:bodyPr wrap="square" rtlCol="0">
+            <a:spAutoFit/>
+          </a:bodyPr>
+          <a:lstStyle/>
+          <a:p>
+            <a:r>
+              <a:rPr lang="en-SG" dirty="0"/>
+              <a:t>Write up</a:t>
+            </a:r>
+          </a:p>
+          <a:p>
+            <a:endParaRPr lang="en-SG" dirty="0"/>
+          </a:p>
+          <a:p>
+            <a:r>
+              <a:rPr lang="en-US" dirty="0"/>
+              <a:t>We proceed to optimize for PLQY of Yb/Er co-doped CsPbCl3 NCs using Bayesian Optimization (BO) to iteratively learn and improve PLQY. Due to the competing relationship of Yb and Eb emittance, we treat this as a multi-objective optimization problem and implement a similar workflow to that of Velasco et al [1] as seen in Figure 3a, taking a preference for Er PLQY with an adaptive reference point (details found in methods section). We initiated with 18 samples using Latin Hypercube sampling, followed by 4 batches with 6 samples each and a final 5</a:t>
+            </a:r>
+            <a:r>
+              <a:rPr lang="en-US" baseline="30000" dirty="0"/>
+              <a:t>th</a:t>
+            </a:r>
+            <a:r>
+              <a:rPr lang="en-US" dirty="0"/>
+              <a:t> batch with 3 samples, shown in Figure 3b. </a:t>
+            </a:r>
+          </a:p>
+          <a:p>
+            <a:endParaRPr lang="en-US" dirty="0"/>
+          </a:p>
+          <a:p>
+            <a:r>
+              <a:rPr lang="en-US" dirty="0"/>
+              <a:t>We opt to perform SHAP </a:t>
+            </a:r>
+            <a:r>
+              <a:rPr lang="en-SG" dirty="0"/>
+              <a:t>(</a:t>
+            </a:r>
+            <a:r>
+              <a:rPr lang="en-SG" dirty="0" err="1"/>
+              <a:t>SHapley</a:t>
+            </a:r>
+            <a:r>
+              <a:rPr lang="en-SG" dirty="0"/>
+              <a:t> Additive </a:t>
+            </a:r>
+            <a:r>
+              <a:rPr lang="en-SG" dirty="0" err="1"/>
+              <a:t>exPlanations</a:t>
+            </a:r>
+            <a:r>
+              <a:rPr lang="en-SG" dirty="0"/>
+              <a:t>) analysis of the data in Figure 3c using a Gaussian Process (GP) trained on the entirety of the data after the campaign. </a:t>
+            </a:r>
+            <a:r>
+              <a:rPr lang="en-SG" dirty="0">
+                <a:solidFill>
+                  <a:srgbClr val="FF0000"/>
+                </a:solidFill>
+              </a:rPr>
+              <a:t>We propose that Yb PLQY is NC quality dependent since the dominating factors are growth factors temperature, time and ligand amount. Correspondingly, Er PLQY is dependent on the energy levels between states, by carefully controlling for composition, most notably Yb/Pb ratio. This is inline with our hypothesis that high PLQY is predicated on high true quantum cutting first before stepping to Er energy state. The distribution of input values are reported in Figure 3d using polar plots, which show convergence towards best performance at around 0.8 Cs/Pb, 3.0 Yb/Pb and 3.7 Er/Pb.</a:t>
+            </a:r>
+          </a:p>
+          <a:p>
+            <a:endParaRPr lang="en-SG" dirty="0"/>
+          </a:p>
+          <a:p>
+            <a:endParaRPr lang="en-US" dirty="0"/>
+          </a:p>
+        </p:txBody>
+      </p:sp>
+      <p:sp>
+        <p:nvSpPr>
+          <p:cNvPr id="5" name="TextBox 4">
+            <a:extLst>
+              <a:ext uri="{FF2B5EF4-FFF2-40B4-BE49-F238E27FC236}">
+                <a16:creationId xmlns:a16="http://schemas.microsoft.com/office/drawing/2014/main" id="{D596AAC1-1691-6225-7666-7BAD955F2610}"/>
+              </a:ext>
+            </a:extLst>
+          </p:cNvPr>
+          <p:cNvSpPr txBox="1"/>
+          <p:nvPr/>
+        </p:nvSpPr>
+        <p:spPr>
+          <a:xfrm>
+            <a:off x="137652" y="5921473"/>
+            <a:ext cx="4192943" cy="369332"/>
+          </a:xfrm>
+          <a:prstGeom prst="rect">
+            <a:avLst/>
+          </a:prstGeom>
+          <a:noFill/>
+        </p:spPr>
+        <p:txBody>
+          <a:bodyPr wrap="none" rtlCol="0">
+            <a:spAutoFit/>
+          </a:bodyPr>
+          <a:lstStyle/>
+          <a:p>
+            <a:r>
+              <a:rPr lang="en-SG" dirty="0"/>
+              <a:t>1. https://doi.org/10.1039/D3DD00255A </a:t>
+            </a:r>
+          </a:p>
+        </p:txBody>
+      </p:sp>
+    </p:spTree>
+    <p:extLst>
+      <p:ext uri="{BB962C8B-B14F-4D97-AF65-F5344CB8AC3E}">
+        <p14:creationId xmlns:p14="http://schemas.microsoft.com/office/powerpoint/2010/main" val="188746207"/>
+      </p:ext>
+    </p:extLst>
+  </p:cSld>
+  <p:clrMapOvr>
+    <a:masterClrMapping/>
+  </p:clrMapOvr>
+</p:sld>
+</file>
+
+<file path=ppt/slides/slide4.xml><?xml version="1.0" encoding="utf-8"?>
+<p:sld xmlns:a="http://schemas.openxmlformats.org/drawingml/2006/main" xmlns:r="http://schemas.openxmlformats.org/officeDocument/2006/relationships" xmlns:p="http://schemas.openxmlformats.org/presentationml/2006/main">
+  <p:cSld>
+    <p:spTree>
+      <p:nvGrpSpPr>
+        <p:cNvPr id="1" name=""/>
+        <p:cNvGrpSpPr/>
+        <p:nvPr/>
+      </p:nvGrpSpPr>
+      <p:grpSpPr>
+        <a:xfrm>
+          <a:off x="0" y="0"/>
+          <a:ext cx="0" cy="0"/>
+          <a:chOff x="0" y="0"/>
+          <a:chExt cx="0" cy="0"/>
+        </a:xfrm>
+      </p:grpSpPr>
+      <p:sp>
+        <p:nvSpPr>
+          <p:cNvPr id="12" name="TextBox 11">
+            <a:extLst>
+              <a:ext uri="{FF2B5EF4-FFF2-40B4-BE49-F238E27FC236}">
+                <a16:creationId xmlns:a16="http://schemas.microsoft.com/office/drawing/2014/main" id="{F5B1741A-3738-D721-E1B5-28E7654DE14B}"/>
+              </a:ext>
+            </a:extLst>
+          </p:cNvPr>
+          <p:cNvSpPr txBox="1"/>
+          <p:nvPr/>
+        </p:nvSpPr>
+        <p:spPr>
+          <a:xfrm>
+            <a:off x="0" y="424901"/>
+            <a:ext cx="12192000" cy="2585323"/>
+          </a:xfrm>
+          <a:prstGeom prst="rect">
+            <a:avLst/>
+          </a:prstGeom>
+          <a:noFill/>
+        </p:spPr>
+        <p:txBody>
+          <a:bodyPr wrap="square" rtlCol="0">
+            <a:spAutoFit/>
+          </a:bodyPr>
+          <a:lstStyle/>
+          <a:p>
+            <a:r>
+              <a:rPr lang="en-SG" dirty="0"/>
+              <a:t>Methods</a:t>
+            </a:r>
+          </a:p>
+          <a:p>
+            <a:endParaRPr lang="en-SG" dirty="0"/>
+          </a:p>
+          <a:p>
+            <a:r>
+              <a:rPr lang="en-US" dirty="0"/>
+              <a:t>Initialization with first 18 samples is done using Latin Hypercube sampling implemented in scikit-optimize [cite]. The variables are rounded down to 1 decimal for all, except for temperature and time which is rounded down to nearest integer. The BO workflow relies on </a:t>
+            </a:r>
+            <a:r>
+              <a:rPr lang="en-US" dirty="0" err="1"/>
+              <a:t>BoTorch</a:t>
+            </a:r>
+            <a:r>
+              <a:rPr lang="en-US" dirty="0"/>
+              <a:t> [cite], using default GP kernel Matern 5/2 for surrogate model, trained independently for each objective. The acquisition function is </a:t>
+            </a:r>
+            <a:r>
+              <a:rPr lang="en-US" dirty="0" err="1"/>
+              <a:t>qNEHVI</a:t>
+            </a:r>
+            <a:r>
+              <a:rPr lang="en-US" dirty="0"/>
+              <a:t> [cite Velasco et al], with an adaptive reference point set at fixed 0% Yb PLQY and taking 0.8 * current best Er PLQY. Optimization is performed by executing </a:t>
+            </a:r>
+            <a:r>
+              <a:rPr lang="en-US" dirty="0" err="1"/>
+              <a:t>optimize_acqf</a:t>
+            </a:r>
+            <a:r>
+              <a:rPr lang="en-US" dirty="0"/>
+              <a:t> function in </a:t>
+            </a:r>
+            <a:r>
+              <a:rPr lang="en-US" dirty="0" err="1"/>
+              <a:t>BoTorch</a:t>
+            </a:r>
+            <a:r>
+              <a:rPr lang="en-US" dirty="0"/>
+              <a:t> library. Details and code can be found in https://github.com/andrelowky/Optimization-of-Yb-Er-co-doped-CsPbCl3-NCs-with-DGPAM-ligands.</a:t>
+            </a:r>
+          </a:p>
+        </p:txBody>
+      </p:sp>
+    </p:spTree>
+    <p:extLst>
+      <p:ext uri="{BB962C8B-B14F-4D97-AF65-F5344CB8AC3E}">
+        <p14:creationId xmlns:p14="http://schemas.microsoft.com/office/powerpoint/2010/main" val="809005058"/>
+      </p:ext>
+    </p:extLst>
+  </p:cSld>
+  <p:clrMapOvr>
+    <a:masterClrMapping/>
+  </p:clrMapOvr>
+</p:sld>
+</file>
+
+<file path=ppt/slides/slide5.xml><?xml version="1.0" encoding="utf-8"?>
+<p:sld xmlns:a="http://schemas.openxmlformats.org/drawingml/2006/main" xmlns:r="http://schemas.openxmlformats.org/officeDocument/2006/relationships" xmlns:p="http://schemas.openxmlformats.org/presentationml/2006/main">
+  <p:cSld>
+    <p:spTree>
+      <p:nvGrpSpPr>
+        <p:cNvPr id="1" name=""/>
+        <p:cNvGrpSpPr/>
+        <p:nvPr/>
+      </p:nvGrpSpPr>
+      <p:grpSpPr>
+        <a:xfrm>
+          <a:off x="0" y="0"/>
+          <a:ext cx="0" cy="0"/>
+          <a:chOff x="0" y="0"/>
+          <a:chExt cx="0" cy="0"/>
+        </a:xfrm>
+      </p:grpSpPr>
+      <p:pic>
+        <p:nvPicPr>
+          <p:cNvPr id="23" name="Picture 22">
+            <a:extLst>
+              <a:ext uri="{FF2B5EF4-FFF2-40B4-BE49-F238E27FC236}">
+                <a16:creationId xmlns:a16="http://schemas.microsoft.com/office/drawing/2014/main" id="{BBEA0F3B-79A3-7223-1DD3-60A596A6983C}"/>
+              </a:ext>
+            </a:extLst>
+          </p:cNvPr>
+          <p:cNvPicPr>
+            <a:picLocks noChangeAspect="1"/>
+          </p:cNvPicPr>
+          <p:nvPr/>
+        </p:nvPicPr>
+        <p:blipFill>
+          <a:blip r:embed="rId2"/>
+          <a:stretch>
+            <a:fillRect/>
+          </a:stretch>
+        </p:blipFill>
+        <p:spPr>
+          <a:xfrm>
+            <a:off x="611642" y="4284002"/>
+            <a:ext cx="879204" cy="873640"/>
+          </a:xfrm>
+          <a:prstGeom prst="rect">
+            <a:avLst/>
+          </a:prstGeom>
+        </p:spPr>
+      </p:pic>
       <p:cxnSp>
         <p:nvCxnSpPr>
-          <p:cNvPr id="18" name="Straight Arrow Connector 17">
-            <a:extLst>
-              <a:ext uri="{FF2B5EF4-FFF2-40B4-BE49-F238E27FC236}">
-                <a16:creationId xmlns:a16="http://schemas.microsoft.com/office/drawing/2014/main" id="{2971B3B4-E09B-3C99-E6FA-56A7B76B770F}"/>
+          <p:cNvPr id="28" name="Connector: Elbow 27">
+            <a:extLst>
+              <a:ext uri="{FF2B5EF4-FFF2-40B4-BE49-F238E27FC236}">
+                <a16:creationId xmlns:a16="http://schemas.microsoft.com/office/drawing/2014/main" id="{54F69FD0-5105-7441-E830-E42E6F41E98A}"/>
               </a:ext>
             </a:extLst>
           </p:cNvPr>
           <p:cNvCxnSpPr>
             <a:cxnSpLocks/>
-            <a:stCxn id="2268" idx="3"/>
-            <a:endCxn id="32" idx="1"/>
+            <a:stCxn id="3192" idx="2"/>
+            <a:endCxn id="3189" idx="1"/>
+          </p:cNvCxnSpPr>
+          <p:nvPr/>
+        </p:nvCxnSpPr>
+        <p:spPr>
+          <a:xfrm rot="5400000" flipH="1">
+            <a:off x="-2097750" y="3418723"/>
+            <a:ext cx="5985705" cy="303672"/>
+          </a:xfrm>
+          <a:prstGeom prst="bentConnector4">
+            <a:avLst>
+              <a:gd name="adj1" fmla="val -3819"/>
+              <a:gd name="adj2" fmla="val 282126"/>
+            </a:avLst>
+          </a:prstGeom>
+          <a:ln>
+            <a:tailEnd type="triangle"/>
+          </a:ln>
+        </p:spPr>
+        <p:style>
+          <a:lnRef idx="2">
+            <a:schemeClr val="dk1"/>
+          </a:lnRef>
+          <a:fillRef idx="0">
+            <a:schemeClr val="dk1"/>
+          </a:fillRef>
+          <a:effectRef idx="1">
+            <a:schemeClr val="dk1"/>
+          </a:effectRef>
+          <a:fontRef idx="minor">
+            <a:schemeClr val="tx1"/>
+          </a:fontRef>
+        </p:style>
+      </p:cxnSp>
+      <p:cxnSp>
+        <p:nvCxnSpPr>
+          <p:cNvPr id="51" name="Connector: Elbow 50">
+            <a:extLst>
+              <a:ext uri="{FF2B5EF4-FFF2-40B4-BE49-F238E27FC236}">
+                <a16:creationId xmlns:a16="http://schemas.microsoft.com/office/drawing/2014/main" id="{B42DD9F0-CA54-8BDB-F659-6E7A3748312C}"/>
+              </a:ext>
+            </a:extLst>
+          </p:cNvPr>
+          <p:cNvCxnSpPr>
+            <a:cxnSpLocks/>
+            <a:stCxn id="3160" idx="2"/>
+            <a:endCxn id="2179" idx="0"/>
+          </p:cNvCxnSpPr>
+          <p:nvPr/>
+        </p:nvCxnSpPr>
+        <p:spPr>
+          <a:xfrm rot="16200000" flipH="1">
+            <a:off x="1569582" y="425799"/>
+            <a:ext cx="354602" cy="1392797"/>
+          </a:xfrm>
+          <a:prstGeom prst="bentConnector3">
+            <a:avLst>
+              <a:gd name="adj1" fmla="val 50000"/>
+            </a:avLst>
+          </a:prstGeom>
+          <a:ln>
+            <a:prstDash val="sysDash"/>
+            <a:tailEnd type="triangle"/>
+          </a:ln>
+        </p:spPr>
+        <p:style>
+          <a:lnRef idx="2">
+            <a:schemeClr val="dk1"/>
+          </a:lnRef>
+          <a:fillRef idx="0">
+            <a:schemeClr val="dk1"/>
+          </a:fillRef>
+          <a:effectRef idx="1">
+            <a:schemeClr val="dk1"/>
+          </a:effectRef>
+          <a:fontRef idx="minor">
+            <a:schemeClr val="tx1"/>
+          </a:fontRef>
+        </p:style>
+      </p:cxnSp>
+      <p:cxnSp>
+        <p:nvCxnSpPr>
+          <p:cNvPr id="2062" name="Straight Arrow Connector 2061">
+            <a:extLst>
+              <a:ext uri="{FF2B5EF4-FFF2-40B4-BE49-F238E27FC236}">
+                <a16:creationId xmlns:a16="http://schemas.microsoft.com/office/drawing/2014/main" id="{6961F7EF-44B8-2903-2D50-F924B1AC09AC}"/>
+              </a:ext>
+            </a:extLst>
+          </p:cNvPr>
+          <p:cNvCxnSpPr>
+            <a:cxnSpLocks/>
           </p:cNvCxnSpPr>
           <p:nvPr/>
         </p:nvCxnSpPr>
         <p:spPr>
           <a:xfrm>
-            <a:off x="2777838" y="3828081"/>
-            <a:ext cx="787131" cy="0"/>
+            <a:off x="1051244" y="949464"/>
+            <a:ext cx="0" cy="309410"/>
+          </a:xfrm>
+          <a:prstGeom prst="straightConnector1">
+            <a:avLst/>
+          </a:prstGeom>
+          <a:ln>
+            <a:tailEnd type="triangle"/>
+          </a:ln>
+        </p:spPr>
+        <p:style>
+          <a:lnRef idx="2">
+            <a:schemeClr val="dk1"/>
+          </a:lnRef>
+          <a:fillRef idx="0">
+            <a:schemeClr val="dk1"/>
+          </a:fillRef>
+          <a:effectRef idx="1">
+            <a:schemeClr val="dk1"/>
+          </a:effectRef>
+          <a:fontRef idx="minor">
+            <a:schemeClr val="tx1"/>
+          </a:fontRef>
+        </p:style>
+      </p:cxnSp>
+      <p:graphicFrame>
+        <p:nvGraphicFramePr>
+          <p:cNvPr id="30" name="Table 29">
+            <a:extLst>
+              <a:ext uri="{FF2B5EF4-FFF2-40B4-BE49-F238E27FC236}">
+                <a16:creationId xmlns:a16="http://schemas.microsoft.com/office/drawing/2014/main" id="{DA5D0CF9-4BA0-25D6-5100-592EEBD24254}"/>
+              </a:ext>
+            </a:extLst>
+          </p:cNvPr>
+          <p:cNvGraphicFramePr>
+            <a:graphicFrameLocks noGrp="1"/>
+          </p:cNvGraphicFramePr>
+          <p:nvPr>
+            <p:extLst>
+              <p:ext uri="{D42A27DB-BD31-4B8C-83A1-F6EECF244321}">
+                <p14:modId xmlns:p14="http://schemas.microsoft.com/office/powerpoint/2010/main" val="340728171"/>
+              </p:ext>
+            </p:extLst>
+          </p:nvPr>
+        </p:nvGraphicFramePr>
+        <p:xfrm>
+          <a:off x="2318158" y="319892"/>
+          <a:ext cx="456392" cy="543160"/>
+        </p:xfrm>
+        <a:graphic>
+          <a:graphicData uri="http://schemas.openxmlformats.org/drawingml/2006/table">
+            <a:tbl>
+              <a:tblPr>
+                <a:tableStyleId>{5C22544A-7EE6-4342-B048-85BDC9FD1C3A}</a:tableStyleId>
+              </a:tblPr>
+              <a:tblGrid>
+                <a:gridCol w="114098">
+                  <a:extLst>
+                    <a:ext uri="{9D8B030D-6E8A-4147-A177-3AD203B41FA5}">
+                      <a16:colId xmlns:a16="http://schemas.microsoft.com/office/drawing/2014/main" val="1790669150"/>
+                    </a:ext>
+                  </a:extLst>
+                </a:gridCol>
+                <a:gridCol w="114098">
+                  <a:extLst>
+                    <a:ext uri="{9D8B030D-6E8A-4147-A177-3AD203B41FA5}">
+                      <a16:colId xmlns:a16="http://schemas.microsoft.com/office/drawing/2014/main" val="1603666464"/>
+                    </a:ext>
+                  </a:extLst>
+                </a:gridCol>
+                <a:gridCol w="114098">
+                  <a:extLst>
+                    <a:ext uri="{9D8B030D-6E8A-4147-A177-3AD203B41FA5}">
+                      <a16:colId xmlns:a16="http://schemas.microsoft.com/office/drawing/2014/main" val="767419047"/>
+                    </a:ext>
+                  </a:extLst>
+                </a:gridCol>
+                <a:gridCol w="114098">
+                  <a:extLst>
+                    <a:ext uri="{9D8B030D-6E8A-4147-A177-3AD203B41FA5}">
+                      <a16:colId xmlns:a16="http://schemas.microsoft.com/office/drawing/2014/main" val="1496651802"/>
+                    </a:ext>
+                  </a:extLst>
+                </a:gridCol>
+              </a:tblGrid>
+              <a:tr h="133499">
+                <a:tc>
+                  <a:txBody>
+                    <a:bodyPr/>
+                    <a:lstStyle/>
+                    <a:p>
+                      <a:r>
+                        <a:rPr lang="en-SG" sz="600" dirty="0"/>
+                        <a:t>x</a:t>
+                      </a:r>
+                    </a:p>
+                  </a:txBody>
+                  <a:tcPr marL="44349" marR="44349" marT="22175" marB="22175"/>
+                </a:tc>
+                <a:tc>
+                  <a:txBody>
+                    <a:bodyPr/>
+                    <a:lstStyle/>
+                    <a:p>
+                      <a:endParaRPr lang="en-SG" sz="600" dirty="0"/>
+                    </a:p>
+                  </a:txBody>
+                  <a:tcPr marL="44349" marR="44349" marT="22175" marB="22175"/>
+                </a:tc>
+                <a:tc>
+                  <a:txBody>
+                    <a:bodyPr/>
+                    <a:lstStyle/>
+                    <a:p>
+                      <a:endParaRPr lang="en-SG" sz="600"/>
+                    </a:p>
+                  </a:txBody>
+                  <a:tcPr marL="44349" marR="44349" marT="22175" marB="22175"/>
+                </a:tc>
+                <a:tc>
+                  <a:txBody>
+                    <a:bodyPr/>
+                    <a:lstStyle/>
+                    <a:p>
+                      <a:endParaRPr lang="en-SG" sz="600"/>
+                    </a:p>
+                  </a:txBody>
+                  <a:tcPr marL="44349" marR="44349" marT="22175" marB="22175"/>
+                </a:tc>
+                <a:extLst>
+                  <a:ext uri="{0D108BD9-81ED-4DB2-BD59-A6C34878D82A}">
+                    <a16:rowId xmlns:a16="http://schemas.microsoft.com/office/drawing/2014/main" val="3227373018"/>
+                  </a:ext>
+                </a:extLst>
+              </a:tr>
+              <a:tr h="133499">
+                <a:tc>
+                  <a:txBody>
+                    <a:bodyPr/>
+                    <a:lstStyle/>
+                    <a:p>
+                      <a:endParaRPr lang="en-SG" sz="600"/>
+                    </a:p>
+                  </a:txBody>
+                  <a:tcPr marL="44349" marR="44349" marT="22175" marB="22175"/>
+                </a:tc>
+                <a:tc>
+                  <a:txBody>
+                    <a:bodyPr/>
+                    <a:lstStyle/>
+                    <a:p>
+                      <a:endParaRPr lang="en-SG" sz="600" dirty="0"/>
+                    </a:p>
+                  </a:txBody>
+                  <a:tcPr marL="44349" marR="44349" marT="22175" marB="22175"/>
+                </a:tc>
+                <a:tc>
+                  <a:txBody>
+                    <a:bodyPr/>
+                    <a:lstStyle/>
+                    <a:p>
+                      <a:endParaRPr lang="en-SG" sz="600" dirty="0"/>
+                    </a:p>
+                  </a:txBody>
+                  <a:tcPr marL="44349" marR="44349" marT="22175" marB="22175"/>
+                </a:tc>
+                <a:tc>
+                  <a:txBody>
+                    <a:bodyPr/>
+                    <a:lstStyle/>
+                    <a:p>
+                      <a:r>
+                        <a:rPr lang="en-SG" sz="600" dirty="0"/>
+                        <a:t>x</a:t>
+                      </a:r>
+                    </a:p>
+                  </a:txBody>
+                  <a:tcPr marL="44349" marR="44349" marT="22175" marB="22175"/>
+                </a:tc>
+                <a:extLst>
+                  <a:ext uri="{0D108BD9-81ED-4DB2-BD59-A6C34878D82A}">
+                    <a16:rowId xmlns:a16="http://schemas.microsoft.com/office/drawing/2014/main" val="4107086278"/>
+                  </a:ext>
+                </a:extLst>
+              </a:tr>
+              <a:tr h="133499">
+                <a:tc>
+                  <a:txBody>
+                    <a:bodyPr/>
+                    <a:lstStyle/>
+                    <a:p>
+                      <a:endParaRPr lang="en-SG" sz="600"/>
+                    </a:p>
+                  </a:txBody>
+                  <a:tcPr marL="44349" marR="44349" marT="22175" marB="22175"/>
+                </a:tc>
+                <a:tc>
+                  <a:txBody>
+                    <a:bodyPr/>
+                    <a:lstStyle/>
+                    <a:p>
+                      <a:r>
+                        <a:rPr lang="en-SG" sz="600" dirty="0"/>
+                        <a:t>x</a:t>
+                      </a:r>
+                    </a:p>
+                  </a:txBody>
+                  <a:tcPr marL="44349" marR="44349" marT="22175" marB="22175"/>
+                </a:tc>
+                <a:tc>
+                  <a:txBody>
+                    <a:bodyPr/>
+                    <a:lstStyle/>
+                    <a:p>
+                      <a:endParaRPr lang="en-SG" sz="600" dirty="0"/>
+                    </a:p>
+                  </a:txBody>
+                  <a:tcPr marL="44349" marR="44349" marT="22175" marB="22175"/>
+                </a:tc>
+                <a:tc>
+                  <a:txBody>
+                    <a:bodyPr/>
+                    <a:lstStyle/>
+                    <a:p>
+                      <a:endParaRPr lang="en-SG" sz="600" dirty="0"/>
+                    </a:p>
+                  </a:txBody>
+                  <a:tcPr marL="44349" marR="44349" marT="22175" marB="22175"/>
+                </a:tc>
+                <a:extLst>
+                  <a:ext uri="{0D108BD9-81ED-4DB2-BD59-A6C34878D82A}">
+                    <a16:rowId xmlns:a16="http://schemas.microsoft.com/office/drawing/2014/main" val="2090652939"/>
+                  </a:ext>
+                </a:extLst>
+              </a:tr>
+              <a:tr h="133499">
+                <a:tc>
+                  <a:txBody>
+                    <a:bodyPr/>
+                    <a:lstStyle/>
+                    <a:p>
+                      <a:endParaRPr lang="en-SG" sz="600"/>
+                    </a:p>
+                  </a:txBody>
+                  <a:tcPr marL="44349" marR="44349" marT="22175" marB="22175"/>
+                </a:tc>
+                <a:tc>
+                  <a:txBody>
+                    <a:bodyPr/>
+                    <a:lstStyle/>
+                    <a:p>
+                      <a:endParaRPr lang="en-SG" sz="600" dirty="0"/>
+                    </a:p>
+                  </a:txBody>
+                  <a:tcPr marL="44349" marR="44349" marT="22175" marB="22175"/>
+                </a:tc>
+                <a:tc>
+                  <a:txBody>
+                    <a:bodyPr/>
+                    <a:lstStyle/>
+                    <a:p>
+                      <a:r>
+                        <a:rPr lang="en-SG" sz="600" dirty="0"/>
+                        <a:t>x</a:t>
+                      </a:r>
+                    </a:p>
+                  </a:txBody>
+                  <a:tcPr marL="44349" marR="44349" marT="22175" marB="22175"/>
+                </a:tc>
+                <a:tc>
+                  <a:txBody>
+                    <a:bodyPr/>
+                    <a:lstStyle/>
+                    <a:p>
+                      <a:endParaRPr lang="en-SG" sz="600" dirty="0"/>
+                    </a:p>
+                  </a:txBody>
+                  <a:tcPr marL="44349" marR="44349" marT="22175" marB="22175"/>
+                </a:tc>
+                <a:extLst>
+                  <a:ext uri="{0D108BD9-81ED-4DB2-BD59-A6C34878D82A}">
+                    <a16:rowId xmlns:a16="http://schemas.microsoft.com/office/drawing/2014/main" val="1846789169"/>
+                  </a:ext>
+                </a:extLst>
+              </a:tr>
+            </a:tbl>
+          </a:graphicData>
+        </a:graphic>
+      </p:graphicFrame>
+      <p:sp>
+        <p:nvSpPr>
+          <p:cNvPr id="22" name="TextBox 21">
+            <a:extLst>
+              <a:ext uri="{FF2B5EF4-FFF2-40B4-BE49-F238E27FC236}">
+                <a16:creationId xmlns:a16="http://schemas.microsoft.com/office/drawing/2014/main" id="{CA584504-A239-4B9C-85A7-410F11BF6076}"/>
+              </a:ext>
+            </a:extLst>
+          </p:cNvPr>
+          <p:cNvSpPr txBox="1"/>
+          <p:nvPr/>
+        </p:nvSpPr>
+        <p:spPr>
+          <a:xfrm>
+            <a:off x="2774550" y="268306"/>
+            <a:ext cx="953473" cy="646331"/>
+          </a:xfrm>
+          <a:prstGeom prst="rect">
+            <a:avLst/>
+          </a:prstGeom>
+          <a:noFill/>
+        </p:spPr>
+        <p:txBody>
+          <a:bodyPr wrap="square">
+            <a:spAutoFit/>
+          </a:bodyPr>
+          <a:lstStyle/>
+          <a:p>
+            <a:r>
+              <a:rPr lang="en-SG" sz="1200" dirty="0"/>
+              <a:t>Latin Hypercube Sampling</a:t>
+            </a:r>
+          </a:p>
+        </p:txBody>
+      </p:sp>
+      <p:sp>
+        <p:nvSpPr>
+          <p:cNvPr id="2075" name="TextBox 2074">
+            <a:extLst>
+              <a:ext uri="{FF2B5EF4-FFF2-40B4-BE49-F238E27FC236}">
+                <a16:creationId xmlns:a16="http://schemas.microsoft.com/office/drawing/2014/main" id="{825CF2BE-C243-E0ED-FDA9-5980ECFEA069}"/>
+              </a:ext>
+            </a:extLst>
+          </p:cNvPr>
+          <p:cNvSpPr txBox="1"/>
+          <p:nvPr/>
+        </p:nvSpPr>
+        <p:spPr>
+          <a:xfrm>
+            <a:off x="337080" y="27574"/>
+            <a:ext cx="1481585" cy="276999"/>
+          </a:xfrm>
+          <a:prstGeom prst="rect">
+            <a:avLst/>
+          </a:prstGeom>
+          <a:noFill/>
+        </p:spPr>
+        <p:txBody>
+          <a:bodyPr wrap="square">
+            <a:spAutoFit/>
+          </a:bodyPr>
+          <a:lstStyle/>
+          <a:p>
+            <a:pPr algn="ctr"/>
+            <a:r>
+              <a:rPr lang="en-SG" sz="1200" dirty="0"/>
+              <a:t>Update Dataset</a:t>
+            </a:r>
+          </a:p>
+        </p:txBody>
+      </p:sp>
+      <p:sp>
+        <p:nvSpPr>
+          <p:cNvPr id="2137" name="TextBox 2136">
+            <a:extLst>
+              <a:ext uri="{FF2B5EF4-FFF2-40B4-BE49-F238E27FC236}">
+                <a16:creationId xmlns:a16="http://schemas.microsoft.com/office/drawing/2014/main" id="{022F5636-5770-0D3C-8A6B-E7CE4B67E870}"/>
+              </a:ext>
+            </a:extLst>
+          </p:cNvPr>
+          <p:cNvSpPr txBox="1"/>
+          <p:nvPr/>
+        </p:nvSpPr>
+        <p:spPr>
+          <a:xfrm>
+            <a:off x="2774549" y="1435321"/>
+            <a:ext cx="953473" cy="461665"/>
+          </a:xfrm>
+          <a:prstGeom prst="rect">
+            <a:avLst/>
+          </a:prstGeom>
+          <a:noFill/>
+        </p:spPr>
+        <p:txBody>
+          <a:bodyPr wrap="square">
+            <a:spAutoFit/>
+          </a:bodyPr>
+          <a:lstStyle/>
+          <a:p>
+            <a:r>
+              <a:rPr lang="en-SG" sz="1200" dirty="0"/>
+              <a:t>Preferential objective</a:t>
+            </a:r>
+          </a:p>
+        </p:txBody>
+      </p:sp>
+      <p:pic>
+        <p:nvPicPr>
+          <p:cNvPr id="2179" name="Picture 2178">
+            <a:extLst>
+              <a:ext uri="{FF2B5EF4-FFF2-40B4-BE49-F238E27FC236}">
+                <a16:creationId xmlns:a16="http://schemas.microsoft.com/office/drawing/2014/main" id="{0193BD1D-4BA4-0AC0-867B-C137320EACE7}"/>
+              </a:ext>
+            </a:extLst>
+          </p:cNvPr>
+          <p:cNvPicPr>
+            <a:picLocks noChangeAspect="1"/>
+          </p:cNvPicPr>
+          <p:nvPr/>
+        </p:nvPicPr>
+        <p:blipFill>
+          <a:blip r:embed="rId3"/>
+          <a:stretch>
+            <a:fillRect/>
+          </a:stretch>
+        </p:blipFill>
+        <p:spPr>
+          <a:xfrm>
+            <a:off x="2016554" y="1299499"/>
+            <a:ext cx="853456" cy="862503"/>
+          </a:xfrm>
+          <a:prstGeom prst="rect">
+            <a:avLst/>
+          </a:prstGeom>
+        </p:spPr>
+      </p:pic>
+      <p:sp>
+        <p:nvSpPr>
+          <p:cNvPr id="2257" name="TextBox 2256">
+            <a:extLst>
+              <a:ext uri="{FF2B5EF4-FFF2-40B4-BE49-F238E27FC236}">
+                <a16:creationId xmlns:a16="http://schemas.microsoft.com/office/drawing/2014/main" id="{C8777729-8FD3-5381-A2A3-DEF474773378}"/>
+              </a:ext>
+            </a:extLst>
+          </p:cNvPr>
+          <p:cNvSpPr txBox="1"/>
+          <p:nvPr/>
+        </p:nvSpPr>
+        <p:spPr>
+          <a:xfrm>
+            <a:off x="357371" y="1296822"/>
+            <a:ext cx="1428328" cy="276999"/>
+          </a:xfrm>
+          <a:prstGeom prst="rect">
+            <a:avLst/>
+          </a:prstGeom>
+          <a:noFill/>
+        </p:spPr>
+        <p:txBody>
+          <a:bodyPr wrap="square">
+            <a:spAutoFit/>
+          </a:bodyPr>
+          <a:lstStyle/>
+          <a:p>
+            <a:pPr algn="ctr"/>
+            <a:r>
+              <a:rPr lang="en-SG" sz="1200" dirty="0"/>
+              <a:t>Gaussian Process</a:t>
+            </a:r>
+          </a:p>
+        </p:txBody>
+      </p:sp>
+      <p:graphicFrame>
+        <p:nvGraphicFramePr>
+          <p:cNvPr id="2308" name="Table 2307">
+            <a:extLst>
+              <a:ext uri="{FF2B5EF4-FFF2-40B4-BE49-F238E27FC236}">
+                <a16:creationId xmlns:a16="http://schemas.microsoft.com/office/drawing/2014/main" id="{3A5CBA99-ADAC-0DB6-2E71-48E78EFE7862}"/>
+              </a:ext>
+            </a:extLst>
+          </p:cNvPr>
+          <p:cNvGraphicFramePr>
+            <a:graphicFrameLocks noGrp="1"/>
+          </p:cNvGraphicFramePr>
+          <p:nvPr>
+            <p:extLst>
+              <p:ext uri="{D42A27DB-BD31-4B8C-83A1-F6EECF244321}">
+                <p14:modId xmlns:p14="http://schemas.microsoft.com/office/powerpoint/2010/main" val="832864588"/>
+              </p:ext>
+            </p:extLst>
+          </p:nvPr>
+        </p:nvGraphicFramePr>
+        <p:xfrm>
+          <a:off x="827033" y="319892"/>
+          <a:ext cx="461096" cy="543160"/>
+        </p:xfrm>
+        <a:graphic>
+          <a:graphicData uri="http://schemas.openxmlformats.org/drawingml/2006/table">
+            <a:tbl>
+              <a:tblPr>
+                <a:tableStyleId>{5C22544A-7EE6-4342-B048-85BDC9FD1C3A}</a:tableStyleId>
+              </a:tblPr>
+              <a:tblGrid>
+                <a:gridCol w="114098">
+                  <a:extLst>
+                    <a:ext uri="{9D8B030D-6E8A-4147-A177-3AD203B41FA5}">
+                      <a16:colId xmlns:a16="http://schemas.microsoft.com/office/drawing/2014/main" val="1790669150"/>
+                    </a:ext>
+                  </a:extLst>
+                </a:gridCol>
+                <a:gridCol w="116450">
+                  <a:extLst>
+                    <a:ext uri="{9D8B030D-6E8A-4147-A177-3AD203B41FA5}">
+                      <a16:colId xmlns:a16="http://schemas.microsoft.com/office/drawing/2014/main" val="1603666464"/>
+                    </a:ext>
+                  </a:extLst>
+                </a:gridCol>
+                <a:gridCol w="116450">
+                  <a:extLst>
+                    <a:ext uri="{9D8B030D-6E8A-4147-A177-3AD203B41FA5}">
+                      <a16:colId xmlns:a16="http://schemas.microsoft.com/office/drawing/2014/main" val="767419047"/>
+                    </a:ext>
+                  </a:extLst>
+                </a:gridCol>
+                <a:gridCol w="114098">
+                  <a:extLst>
+                    <a:ext uri="{9D8B030D-6E8A-4147-A177-3AD203B41FA5}">
+                      <a16:colId xmlns:a16="http://schemas.microsoft.com/office/drawing/2014/main" val="1496651802"/>
+                    </a:ext>
+                  </a:extLst>
+                </a:gridCol>
+              </a:tblGrid>
+              <a:tr h="133499">
+                <a:tc>
+                  <a:txBody>
+                    <a:bodyPr/>
+                    <a:lstStyle/>
+                    <a:p>
+                      <a:endParaRPr lang="en-SG" sz="600" dirty="0"/>
+                    </a:p>
+                  </a:txBody>
+                  <a:tcPr marL="44349" marR="44349" marT="22175" marB="22175"/>
+                </a:tc>
+                <a:tc>
+                  <a:txBody>
+                    <a:bodyPr/>
+                    <a:lstStyle/>
+                    <a:p>
+                      <a:endParaRPr lang="en-SG" sz="600" dirty="0"/>
+                    </a:p>
+                  </a:txBody>
+                  <a:tcPr marL="44349" marR="44349" marT="22175" marB="22175"/>
+                </a:tc>
+                <a:tc>
+                  <a:txBody>
+                    <a:bodyPr/>
+                    <a:lstStyle/>
+                    <a:p>
+                      <a:endParaRPr lang="en-SG" sz="600"/>
+                    </a:p>
+                  </a:txBody>
+                  <a:tcPr marL="44349" marR="44349" marT="22175" marB="22175"/>
+                </a:tc>
+                <a:tc>
+                  <a:txBody>
+                    <a:bodyPr/>
+                    <a:lstStyle/>
+                    <a:p>
+                      <a:endParaRPr lang="en-SG" sz="600"/>
+                    </a:p>
+                  </a:txBody>
+                  <a:tcPr marL="44349" marR="44349" marT="22175" marB="22175"/>
+                </a:tc>
+                <a:extLst>
+                  <a:ext uri="{0D108BD9-81ED-4DB2-BD59-A6C34878D82A}">
+                    <a16:rowId xmlns:a16="http://schemas.microsoft.com/office/drawing/2014/main" val="3227373018"/>
+                  </a:ext>
+                </a:extLst>
+              </a:tr>
+              <a:tr h="133499">
+                <a:tc>
+                  <a:txBody>
+                    <a:bodyPr/>
+                    <a:lstStyle/>
+                    <a:p>
+                      <a:endParaRPr lang="en-SG" sz="600"/>
+                    </a:p>
+                  </a:txBody>
+                  <a:tcPr marL="44349" marR="44349" marT="22175" marB="22175">
+                    <a:solidFill>
+                      <a:srgbClr val="FF0000">
+                        <a:alpha val="30196"/>
+                      </a:srgbClr>
+                    </a:solidFill>
+                  </a:tcPr>
+                </a:tc>
+                <a:tc>
+                  <a:txBody>
+                    <a:bodyPr/>
+                    <a:lstStyle/>
+                    <a:p>
+                      <a:endParaRPr lang="en-SG" sz="600" dirty="0"/>
+                    </a:p>
+                  </a:txBody>
+                  <a:tcPr marL="44349" marR="44349" marT="22175" marB="22175">
+                    <a:solidFill>
+                      <a:srgbClr val="FF0000">
+                        <a:alpha val="30196"/>
+                      </a:srgbClr>
+                    </a:solidFill>
+                  </a:tcPr>
+                </a:tc>
+                <a:tc>
+                  <a:txBody>
+                    <a:bodyPr/>
+                    <a:lstStyle/>
+                    <a:p>
+                      <a:endParaRPr lang="en-SG" sz="600" dirty="0"/>
+                    </a:p>
+                  </a:txBody>
+                  <a:tcPr marL="44349" marR="44349" marT="22175" marB="22175">
+                    <a:solidFill>
+                      <a:srgbClr val="FF0000">
+                        <a:alpha val="30196"/>
+                      </a:srgbClr>
+                    </a:solidFill>
+                  </a:tcPr>
+                </a:tc>
+                <a:tc>
+                  <a:txBody>
+                    <a:bodyPr/>
+                    <a:lstStyle/>
+                    <a:p>
+                      <a:endParaRPr lang="en-SG" sz="600" dirty="0"/>
+                    </a:p>
+                  </a:txBody>
+                  <a:tcPr marL="44349" marR="44349" marT="22175" marB="22175">
+                    <a:solidFill>
+                      <a:srgbClr val="FF0000">
+                        <a:alpha val="30196"/>
+                      </a:srgbClr>
+                    </a:solidFill>
+                  </a:tcPr>
+                </a:tc>
+                <a:extLst>
+                  <a:ext uri="{0D108BD9-81ED-4DB2-BD59-A6C34878D82A}">
+                    <a16:rowId xmlns:a16="http://schemas.microsoft.com/office/drawing/2014/main" val="4107086278"/>
+                  </a:ext>
+                </a:extLst>
+              </a:tr>
+              <a:tr h="133499">
+                <a:tc>
+                  <a:txBody>
+                    <a:bodyPr/>
+                    <a:lstStyle/>
+                    <a:p>
+                      <a:endParaRPr lang="en-SG" sz="600"/>
+                    </a:p>
+                  </a:txBody>
+                  <a:tcPr marL="44349" marR="44349" marT="22175" marB="22175">
+                    <a:solidFill>
+                      <a:srgbClr val="0070C0">
+                        <a:alpha val="30196"/>
+                      </a:srgbClr>
+                    </a:solidFill>
+                  </a:tcPr>
+                </a:tc>
+                <a:tc>
+                  <a:txBody>
+                    <a:bodyPr/>
+                    <a:lstStyle/>
+                    <a:p>
+                      <a:endParaRPr lang="en-SG" sz="600" dirty="0"/>
+                    </a:p>
+                  </a:txBody>
+                  <a:tcPr marL="44349" marR="44349" marT="22175" marB="22175">
+                    <a:solidFill>
+                      <a:srgbClr val="0070C0">
+                        <a:alpha val="30196"/>
+                      </a:srgbClr>
+                    </a:solidFill>
+                  </a:tcPr>
+                </a:tc>
+                <a:tc>
+                  <a:txBody>
+                    <a:bodyPr/>
+                    <a:lstStyle/>
+                    <a:p>
+                      <a:endParaRPr lang="en-SG" sz="600" dirty="0"/>
+                    </a:p>
+                  </a:txBody>
+                  <a:tcPr marL="44349" marR="44349" marT="22175" marB="22175">
+                    <a:solidFill>
+                      <a:srgbClr val="0070C0">
+                        <a:alpha val="30196"/>
+                      </a:srgbClr>
+                    </a:solidFill>
+                  </a:tcPr>
+                </a:tc>
+                <a:tc>
+                  <a:txBody>
+                    <a:bodyPr/>
+                    <a:lstStyle/>
+                    <a:p>
+                      <a:endParaRPr lang="en-SG" sz="600" dirty="0"/>
+                    </a:p>
+                  </a:txBody>
+                  <a:tcPr marL="44349" marR="44349" marT="22175" marB="22175">
+                    <a:solidFill>
+                      <a:srgbClr val="0070C0">
+                        <a:alpha val="30196"/>
+                      </a:srgbClr>
+                    </a:solidFill>
+                  </a:tcPr>
+                </a:tc>
+                <a:extLst>
+                  <a:ext uri="{0D108BD9-81ED-4DB2-BD59-A6C34878D82A}">
+                    <a16:rowId xmlns:a16="http://schemas.microsoft.com/office/drawing/2014/main" val="2090652939"/>
+                  </a:ext>
+                </a:extLst>
+              </a:tr>
+              <a:tr h="133499">
+                <a:tc>
+                  <a:txBody>
+                    <a:bodyPr/>
+                    <a:lstStyle/>
+                    <a:p>
+                      <a:endParaRPr lang="en-SG" sz="600"/>
+                    </a:p>
+                  </a:txBody>
+                  <a:tcPr marL="44349" marR="44349" marT="22175" marB="22175">
+                    <a:solidFill>
+                      <a:srgbClr val="00B050">
+                        <a:alpha val="30196"/>
+                      </a:srgbClr>
+                    </a:solidFill>
+                  </a:tcPr>
+                </a:tc>
+                <a:tc>
+                  <a:txBody>
+                    <a:bodyPr/>
+                    <a:lstStyle/>
+                    <a:p>
+                      <a:endParaRPr lang="en-SG" sz="600" dirty="0"/>
+                    </a:p>
+                  </a:txBody>
+                  <a:tcPr marL="44349" marR="44349" marT="22175" marB="22175">
+                    <a:solidFill>
+                      <a:srgbClr val="00B050">
+                        <a:alpha val="30196"/>
+                      </a:srgbClr>
+                    </a:solidFill>
+                  </a:tcPr>
+                </a:tc>
+                <a:tc>
+                  <a:txBody>
+                    <a:bodyPr/>
+                    <a:lstStyle/>
+                    <a:p>
+                      <a:endParaRPr lang="en-SG" sz="600" dirty="0"/>
+                    </a:p>
+                  </a:txBody>
+                  <a:tcPr marL="44349" marR="44349" marT="22175" marB="22175">
+                    <a:solidFill>
+                      <a:srgbClr val="00B050">
+                        <a:alpha val="30196"/>
+                      </a:srgbClr>
+                    </a:solidFill>
+                  </a:tcPr>
+                </a:tc>
+                <a:tc>
+                  <a:txBody>
+                    <a:bodyPr/>
+                    <a:lstStyle/>
+                    <a:p>
+                      <a:endParaRPr lang="en-SG" sz="600" dirty="0"/>
+                    </a:p>
+                  </a:txBody>
+                  <a:tcPr marL="44349" marR="44349" marT="22175" marB="22175">
+                    <a:solidFill>
+                      <a:srgbClr val="00B050">
+                        <a:alpha val="30196"/>
+                      </a:srgbClr>
+                    </a:solidFill>
+                  </a:tcPr>
+                </a:tc>
+                <a:extLst>
+                  <a:ext uri="{0D108BD9-81ED-4DB2-BD59-A6C34878D82A}">
+                    <a16:rowId xmlns:a16="http://schemas.microsoft.com/office/drawing/2014/main" val="1846789169"/>
+                  </a:ext>
+                </a:extLst>
+              </a:tr>
+            </a:tbl>
+          </a:graphicData>
+        </a:graphic>
+      </p:graphicFrame>
+      <p:pic>
+        <p:nvPicPr>
+          <p:cNvPr id="3074" name="Picture 2">
+            <a:extLst>
+              <a:ext uri="{FF2B5EF4-FFF2-40B4-BE49-F238E27FC236}">
+                <a16:creationId xmlns:a16="http://schemas.microsoft.com/office/drawing/2014/main" id="{6416F04D-394E-DD60-A42B-9C7BB45B9AA0}"/>
+              </a:ext>
+            </a:extLst>
+          </p:cNvPr>
+          <p:cNvPicPr>
+            <a:picLocks noChangeAspect="1" noChangeArrowheads="1"/>
+          </p:cNvPicPr>
+          <p:nvPr/>
+        </p:nvPicPr>
+        <p:blipFill rotWithShape="1">
+          <a:blip r:embed="rId4">
+            <a:extLst>
+              <a:ext uri="{28A0092B-C50C-407E-A947-70E740481C1C}">
+                <a14:useLocalDpi xmlns:a14="http://schemas.microsoft.com/office/drawing/2010/main" val="0"/>
+              </a:ext>
+            </a:extLst>
+          </a:blip>
+          <a:srcRect l="4463" t="5005" r="4437" b="5206"/>
+          <a:stretch>
+            <a:fillRect/>
+          </a:stretch>
+        </p:blipFill>
+        <p:spPr bwMode="auto">
+          <a:xfrm>
+            <a:off x="588226" y="1534158"/>
+            <a:ext cx="917426" cy="612774"/>
+          </a:xfrm>
+          <a:prstGeom prst="rect">
+            <a:avLst/>
+          </a:prstGeom>
+          <a:noFill/>
+          <a:extLst>
+            <a:ext uri="{909E8E84-426E-40DD-AFC4-6F175D3DCCD1}">
+              <a14:hiddenFill xmlns:a14="http://schemas.microsoft.com/office/drawing/2010/main">
+                <a:solidFill>
+                  <a:srgbClr val="FFFFFF"/>
+                </a:solidFill>
+              </a14:hiddenFill>
+            </a:ext>
+          </a:extLst>
+        </p:spPr>
+      </p:pic>
+      <p:sp>
+        <p:nvSpPr>
+          <p:cNvPr id="3086" name="TextBox 3085">
+            <a:extLst>
+              <a:ext uri="{FF2B5EF4-FFF2-40B4-BE49-F238E27FC236}">
+                <a16:creationId xmlns:a16="http://schemas.microsoft.com/office/drawing/2014/main" id="{4C1B1F4C-7306-4D69-6962-764E006097D7}"/>
+              </a:ext>
+            </a:extLst>
+          </p:cNvPr>
+          <p:cNvSpPr txBox="1"/>
+          <p:nvPr/>
+        </p:nvSpPr>
+        <p:spPr>
+          <a:xfrm>
+            <a:off x="337080" y="4130542"/>
+            <a:ext cx="1428328" cy="276999"/>
+          </a:xfrm>
+          <a:prstGeom prst="rect">
+            <a:avLst/>
+          </a:prstGeom>
+          <a:noFill/>
+        </p:spPr>
+        <p:txBody>
+          <a:bodyPr wrap="square">
+            <a:spAutoFit/>
+          </a:bodyPr>
+          <a:lstStyle/>
+          <a:p>
+            <a:pPr algn="ctr"/>
+            <a:r>
+              <a:rPr lang="en-SG" sz="1200" dirty="0"/>
+              <a:t>Synthesis</a:t>
+            </a:r>
+          </a:p>
+        </p:txBody>
+      </p:sp>
+      <p:sp>
+        <p:nvSpPr>
+          <p:cNvPr id="3087" name="TextBox 3086">
+            <a:extLst>
+              <a:ext uri="{FF2B5EF4-FFF2-40B4-BE49-F238E27FC236}">
+                <a16:creationId xmlns:a16="http://schemas.microsoft.com/office/drawing/2014/main" id="{69A98F67-CDB9-CDDF-6373-B7B5ADD408B3}"/>
+              </a:ext>
+            </a:extLst>
+          </p:cNvPr>
+          <p:cNvSpPr txBox="1"/>
+          <p:nvPr/>
+        </p:nvSpPr>
+        <p:spPr>
+          <a:xfrm>
+            <a:off x="337080" y="5548897"/>
+            <a:ext cx="1428328" cy="276999"/>
+          </a:xfrm>
+          <a:prstGeom prst="rect">
+            <a:avLst/>
+          </a:prstGeom>
+          <a:noFill/>
+        </p:spPr>
+        <p:txBody>
+          <a:bodyPr wrap="square">
+            <a:spAutoFit/>
+          </a:bodyPr>
+          <a:lstStyle/>
+          <a:p>
+            <a:pPr algn="ctr"/>
+            <a:r>
+              <a:rPr lang="en-SG" sz="1200" dirty="0"/>
+              <a:t>Characterization</a:t>
+            </a:r>
+          </a:p>
+        </p:txBody>
+      </p:sp>
+      <p:sp>
+        <p:nvSpPr>
+          <p:cNvPr id="3103" name="TextBox 3102">
+            <a:extLst>
+              <a:ext uri="{FF2B5EF4-FFF2-40B4-BE49-F238E27FC236}">
+                <a16:creationId xmlns:a16="http://schemas.microsoft.com/office/drawing/2014/main" id="{5F19CB16-7DAE-F597-1950-6F231F4ABFC6}"/>
+              </a:ext>
+            </a:extLst>
+          </p:cNvPr>
+          <p:cNvSpPr txBox="1"/>
+          <p:nvPr/>
+        </p:nvSpPr>
+        <p:spPr>
+          <a:xfrm>
+            <a:off x="231079" y="2593471"/>
+            <a:ext cx="1680912" cy="276999"/>
+          </a:xfrm>
+          <a:prstGeom prst="rect">
+            <a:avLst/>
+          </a:prstGeom>
+          <a:noFill/>
+        </p:spPr>
+        <p:txBody>
+          <a:bodyPr wrap="square">
+            <a:spAutoFit/>
+          </a:bodyPr>
+          <a:lstStyle/>
+          <a:p>
+            <a:pPr algn="ctr"/>
+            <a:r>
+              <a:rPr lang="en-SG" sz="1200" dirty="0" err="1"/>
+              <a:t>qNEHVI</a:t>
+            </a:r>
+            <a:r>
+              <a:rPr lang="en-SG" sz="1200" dirty="0"/>
+              <a:t> Optimization</a:t>
+            </a:r>
+          </a:p>
+        </p:txBody>
+      </p:sp>
+      <p:pic>
+        <p:nvPicPr>
+          <p:cNvPr id="3154" name="Picture 3153">
+            <a:extLst>
+              <a:ext uri="{FF2B5EF4-FFF2-40B4-BE49-F238E27FC236}">
+                <a16:creationId xmlns:a16="http://schemas.microsoft.com/office/drawing/2014/main" id="{8EC77833-FB19-FCB0-DAD1-5B33908E63FE}"/>
+              </a:ext>
+            </a:extLst>
+          </p:cNvPr>
+          <p:cNvPicPr>
+            <a:picLocks noChangeAspect="1"/>
+          </p:cNvPicPr>
+          <p:nvPr/>
+        </p:nvPicPr>
+        <p:blipFill>
+          <a:blip r:embed="rId5"/>
+          <a:stretch>
+            <a:fillRect/>
+          </a:stretch>
+        </p:blipFill>
+        <p:spPr>
+          <a:xfrm>
+            <a:off x="638072" y="2841314"/>
+            <a:ext cx="852774" cy="861830"/>
+          </a:xfrm>
+          <a:prstGeom prst="rect">
+            <a:avLst/>
+          </a:prstGeom>
+        </p:spPr>
+      </p:pic>
+      <p:pic>
+        <p:nvPicPr>
+          <p:cNvPr id="3194" name="Picture 3193">
+            <a:extLst>
+              <a:ext uri="{FF2B5EF4-FFF2-40B4-BE49-F238E27FC236}">
+                <a16:creationId xmlns:a16="http://schemas.microsoft.com/office/drawing/2014/main" id="{049ADC92-9B97-7AA5-0E14-16B566476FDC}"/>
+              </a:ext>
+            </a:extLst>
+          </p:cNvPr>
+          <p:cNvPicPr>
+            <a:picLocks noChangeAspect="1"/>
+          </p:cNvPicPr>
+          <p:nvPr/>
+        </p:nvPicPr>
+        <p:blipFill>
+          <a:blip r:embed="rId6"/>
+          <a:stretch>
+            <a:fillRect/>
+          </a:stretch>
+        </p:blipFill>
+        <p:spPr>
+          <a:xfrm>
+            <a:off x="337080" y="5805123"/>
+            <a:ext cx="1428328" cy="699130"/>
+          </a:xfrm>
+          <a:prstGeom prst="rect">
+            <a:avLst/>
+          </a:prstGeom>
+        </p:spPr>
+      </p:pic>
+      <p:cxnSp>
+        <p:nvCxnSpPr>
+          <p:cNvPr id="3149" name="Straight Arrow Connector 3148">
+            <a:extLst>
+              <a:ext uri="{FF2B5EF4-FFF2-40B4-BE49-F238E27FC236}">
+                <a16:creationId xmlns:a16="http://schemas.microsoft.com/office/drawing/2014/main" id="{9156F327-DD14-8835-53F7-09A6ED1CA9A1}"/>
+              </a:ext>
+            </a:extLst>
+          </p:cNvPr>
+          <p:cNvCxnSpPr>
+            <a:cxnSpLocks/>
+            <a:endCxn id="2251" idx="0"/>
+          </p:cNvCxnSpPr>
+          <p:nvPr/>
+        </p:nvCxnSpPr>
+        <p:spPr>
+          <a:xfrm>
+            <a:off x="1051244" y="2197649"/>
+            <a:ext cx="4432" cy="309410"/>
           </a:xfrm>
           <a:prstGeom prst="straightConnector1">
             <a:avLst/>
@@ -4382,121 +5514,22 @@
       </p:cxnSp>
       <p:cxnSp>
         <p:nvCxnSpPr>
-          <p:cNvPr id="28" name="Connector: Elbow 27">
-            <a:extLst>
-              <a:ext uri="{FF2B5EF4-FFF2-40B4-BE49-F238E27FC236}">
-                <a16:creationId xmlns:a16="http://schemas.microsoft.com/office/drawing/2014/main" id="{54F69FD0-5105-7441-E830-E42E6F41E98A}"/>
+          <p:cNvPr id="3150" name="Straight Arrow Connector 3149">
+            <a:extLst>
+              <a:ext uri="{FF2B5EF4-FFF2-40B4-BE49-F238E27FC236}">
+                <a16:creationId xmlns:a16="http://schemas.microsoft.com/office/drawing/2014/main" id="{582AC699-D34F-E33B-7552-C2BB0F5FA4AE}"/>
               </a:ext>
             </a:extLst>
           </p:cNvPr>
           <p:cNvCxnSpPr>
             <a:cxnSpLocks/>
-            <a:stCxn id="2292" idx="2"/>
-            <a:endCxn id="2268" idx="2"/>
           </p:cNvCxnSpPr>
           <p:nvPr/>
         </p:nvCxnSpPr>
         <p:spPr>
-          <a:xfrm rot="5400000">
-            <a:off x="6163354" y="486618"/>
-            <a:ext cx="11497" cy="7661486"/>
-          </a:xfrm>
-          <a:prstGeom prst="bentConnector3">
-            <a:avLst>
-              <a:gd name="adj1" fmla="val 3514578"/>
-            </a:avLst>
-          </a:prstGeom>
-          <a:ln>
-            <a:tailEnd type="triangle"/>
-          </a:ln>
-        </p:spPr>
-        <p:style>
-          <a:lnRef idx="2">
-            <a:schemeClr val="dk1"/>
-          </a:lnRef>
-          <a:fillRef idx="0">
-            <a:schemeClr val="dk1"/>
-          </a:fillRef>
-          <a:effectRef idx="1">
-            <a:schemeClr val="dk1"/>
-          </a:effectRef>
-          <a:fontRef idx="minor">
-            <a:schemeClr val="tx1"/>
-          </a:fontRef>
-        </p:style>
-      </p:cxnSp>
-      <p:sp>
-        <p:nvSpPr>
-          <p:cNvPr id="43" name="Rectangle: Rounded Corners 42">
-            <a:extLst>
-              <a:ext uri="{FF2B5EF4-FFF2-40B4-BE49-F238E27FC236}">
-                <a16:creationId xmlns:a16="http://schemas.microsoft.com/office/drawing/2014/main" id="{FA5AAE63-315A-E82F-620D-A9FE47B43285}"/>
-              </a:ext>
-            </a:extLst>
-          </p:cNvPr>
-          <p:cNvSpPr/>
-          <p:nvPr/>
-        </p:nvSpPr>
-        <p:spPr>
           <a:xfrm>
-            <a:off x="2239740" y="2460703"/>
-            <a:ext cx="204134" cy="150118"/>
-          </a:xfrm>
-          <a:prstGeom prst="roundRect">
-            <a:avLst/>
-          </a:prstGeom>
-          <a:noFill/>
-          <a:ln>
-            <a:noFill/>
-          </a:ln>
-          <a:effectLst/>
-        </p:spPr>
-        <p:style>
-          <a:lnRef idx="1">
-            <a:schemeClr val="accent1"/>
-          </a:lnRef>
-          <a:fillRef idx="3">
-            <a:schemeClr val="accent1"/>
-          </a:fillRef>
-          <a:effectRef idx="2">
-            <a:schemeClr val="accent1"/>
-          </a:effectRef>
-          <a:fontRef idx="minor">
-            <a:schemeClr val="lt1"/>
-          </a:fontRef>
-        </p:style>
-        <p:txBody>
-          <a:bodyPr rtlCol="0" anchor="ctr"/>
-          <a:lstStyle/>
-          <a:p>
-            <a:pPr algn="ctr"/>
-            <a:endParaRPr lang="en-SG" sz="1200" dirty="0">
-              <a:latin typeface="Arial" panose="020B0604020202020204" pitchFamily="34" charset="0"/>
-              <a:cs typeface="Arial" panose="020B0604020202020204" pitchFamily="34" charset="0"/>
-            </a:endParaRPr>
-          </a:p>
-        </p:txBody>
-      </p:sp>
-      <p:cxnSp>
-        <p:nvCxnSpPr>
-          <p:cNvPr id="45" name="Straight Arrow Connector 44">
-            <a:extLst>
-              <a:ext uri="{FF2B5EF4-FFF2-40B4-BE49-F238E27FC236}">
-                <a16:creationId xmlns:a16="http://schemas.microsoft.com/office/drawing/2014/main" id="{A2A4CC53-1622-1A9F-B1B6-F7EEC483E39E}"/>
-              </a:ext>
-            </a:extLst>
-          </p:cNvPr>
-          <p:cNvCxnSpPr>
-            <a:cxnSpLocks/>
-            <a:stCxn id="43" idx="2"/>
-            <a:endCxn id="2268" idx="0"/>
-          </p:cNvCxnSpPr>
-          <p:nvPr/>
-        </p:nvCxnSpPr>
-        <p:spPr>
-          <a:xfrm flipH="1">
-            <a:off x="2338359" y="2610821"/>
-            <a:ext cx="3448" cy="722231"/>
+            <a:off x="1051244" y="3779874"/>
+            <a:ext cx="0" cy="309410"/>
           </a:xfrm>
           <a:prstGeom prst="straightConnector1">
             <a:avLst/>
@@ -4522,113 +5555,22 @@
       </p:cxnSp>
       <p:cxnSp>
         <p:nvCxnSpPr>
-          <p:cNvPr id="51" name="Connector: Elbow 50">
-            <a:extLst>
-              <a:ext uri="{FF2B5EF4-FFF2-40B4-BE49-F238E27FC236}">
-                <a16:creationId xmlns:a16="http://schemas.microsoft.com/office/drawing/2014/main" id="{B42DD9F0-CA54-8BDB-F659-6E7A3748312C}"/>
+          <p:cNvPr id="3151" name="Straight Arrow Connector 3150">
+            <a:extLst>
+              <a:ext uri="{FF2B5EF4-FFF2-40B4-BE49-F238E27FC236}">
+                <a16:creationId xmlns:a16="http://schemas.microsoft.com/office/drawing/2014/main" id="{ED421C31-DCB8-3304-E7C7-7404DC82B817}"/>
               </a:ext>
             </a:extLst>
           </p:cNvPr>
           <p:cNvCxnSpPr>
             <a:cxnSpLocks/>
-            <a:stCxn id="2268" idx="3"/>
-            <a:endCxn id="2179" idx="1"/>
           </p:cNvCxnSpPr>
           <p:nvPr/>
         </p:nvCxnSpPr>
         <p:spPr>
-          <a:xfrm flipV="1">
-            <a:off x="2777838" y="2334233"/>
-            <a:ext cx="3013708" cy="1493848"/>
-          </a:xfrm>
-          <a:prstGeom prst="bentConnector3">
-            <a:avLst>
-              <a:gd name="adj1" fmla="val 12377"/>
-            </a:avLst>
-          </a:prstGeom>
-          <a:ln>
-            <a:prstDash val="sysDash"/>
-            <a:tailEnd type="triangle"/>
-          </a:ln>
-        </p:spPr>
-        <p:style>
-          <a:lnRef idx="2">
-            <a:schemeClr val="dk1"/>
-          </a:lnRef>
-          <a:fillRef idx="0">
-            <a:schemeClr val="dk1"/>
-          </a:fillRef>
-          <a:effectRef idx="1">
-            <a:schemeClr val="dk1"/>
-          </a:effectRef>
-          <a:fontRef idx="minor">
-            <a:schemeClr val="tx1"/>
-          </a:fontRef>
-        </p:style>
-      </p:cxnSp>
-      <p:cxnSp>
-        <p:nvCxnSpPr>
-          <p:cNvPr id="2062" name="Straight Arrow Connector 2061">
-            <a:extLst>
-              <a:ext uri="{FF2B5EF4-FFF2-40B4-BE49-F238E27FC236}">
-                <a16:creationId xmlns:a16="http://schemas.microsoft.com/office/drawing/2014/main" id="{6961F7EF-44B8-2903-2D50-F924B1AC09AC}"/>
-              </a:ext>
-            </a:extLst>
-          </p:cNvPr>
-          <p:cNvCxnSpPr>
-            <a:cxnSpLocks/>
-            <a:stCxn id="32" idx="3"/>
-            <a:endCxn id="3104" idx="1"/>
-          </p:cNvCxnSpPr>
-          <p:nvPr/>
-        </p:nvCxnSpPr>
-        <p:spPr>
-          <a:xfrm flipV="1">
-            <a:off x="4780835" y="3828079"/>
-            <a:ext cx="943690" cy="2"/>
-          </a:xfrm>
-          <a:prstGeom prst="straightConnector1">
-            <a:avLst/>
-          </a:prstGeom>
-          <a:ln>
-            <a:tailEnd type="triangle"/>
-          </a:ln>
-        </p:spPr>
-        <p:style>
-          <a:lnRef idx="2">
-            <a:schemeClr val="dk1"/>
-          </a:lnRef>
-          <a:fillRef idx="0">
-            <a:schemeClr val="dk1"/>
-          </a:fillRef>
-          <a:effectRef idx="1">
-            <a:schemeClr val="dk1"/>
-          </a:effectRef>
-          <a:fontRef idx="minor">
-            <a:schemeClr val="tx1"/>
-          </a:fontRef>
-        </p:style>
-      </p:cxnSp>
-      <p:cxnSp>
-        <p:nvCxnSpPr>
-          <p:cNvPr id="2070" name="Straight Arrow Connector 2069">
-            <a:extLst>
-              <a:ext uri="{FF2B5EF4-FFF2-40B4-BE49-F238E27FC236}">
-                <a16:creationId xmlns:a16="http://schemas.microsoft.com/office/drawing/2014/main" id="{C2978164-2BE3-A2C9-7AE3-AE885BE5BD3F}"/>
-              </a:ext>
-            </a:extLst>
-          </p:cNvPr>
-          <p:cNvCxnSpPr>
-            <a:cxnSpLocks/>
-            <a:stCxn id="3104" idx="3"/>
-            <a:endCxn id="2367" idx="1"/>
-          </p:cNvCxnSpPr>
-          <p:nvPr/>
-        </p:nvCxnSpPr>
-        <p:spPr>
-          <a:xfrm flipV="1">
-            <a:off x="6940391" y="3823752"/>
-            <a:ext cx="578348" cy="4327"/>
+          <a:xfrm>
+            <a:off x="1051244" y="5239487"/>
+            <a:ext cx="0" cy="309410"/>
           </a:xfrm>
           <a:prstGeom prst="straightConnector1">
             <a:avLst/>
@@ -4654,10 +5596,10 @@
       </p:cxnSp>
       <p:sp>
         <p:nvSpPr>
-          <p:cNvPr id="32" name="Rectangle: Rounded Corners 31">
-            <a:extLst>
-              <a:ext uri="{FF2B5EF4-FFF2-40B4-BE49-F238E27FC236}">
-                <a16:creationId xmlns:a16="http://schemas.microsoft.com/office/drawing/2014/main" id="{2F7972F5-748F-8276-9B4B-90AC2EE8F17B}"/>
+          <p:cNvPr id="3160" name="Rectangle 3159">
+            <a:extLst>
+              <a:ext uri="{FF2B5EF4-FFF2-40B4-BE49-F238E27FC236}">
+                <a16:creationId xmlns:a16="http://schemas.microsoft.com/office/drawing/2014/main" id="{156F1466-FB86-DEA3-52D8-E63FB8BFE06C}"/>
               </a:ext>
             </a:extLst>
           </p:cNvPr>
@@ -4666,26 +5608,27 @@
         </p:nvSpPr>
         <p:spPr>
           <a:xfrm>
-            <a:off x="3564969" y="3699074"/>
-            <a:ext cx="1215866" cy="258014"/>
+            <a:off x="944980" y="768271"/>
+            <a:ext cx="211010" cy="176626"/>
           </a:xfrm>
-          <a:prstGeom prst="roundRect">
+          <a:prstGeom prst="rect">
             <a:avLst/>
           </a:prstGeom>
           <a:noFill/>
           <a:ln>
             <a:noFill/>
           </a:ln>
-          <a:effectLst/>
         </p:spPr>
         <p:style>
-          <a:lnRef idx="1">
-            <a:schemeClr val="accent1"/>
+          <a:lnRef idx="2">
+            <a:schemeClr val="accent1">
+              <a:shade val="15000"/>
+            </a:schemeClr>
           </a:lnRef>
-          <a:fillRef idx="3">
+          <a:fillRef idx="1">
             <a:schemeClr val="accent1"/>
           </a:fillRef>
-          <a:effectRef idx="2">
+          <a:effectRef idx="0">
             <a:schemeClr val="accent1"/>
           </a:effectRef>
           <a:fontRef idx="minor">
@@ -4697,1208 +5640,28 @@
           <a:lstStyle/>
           <a:p>
             <a:pPr algn="ctr"/>
-            <a:endParaRPr lang="en-SG" sz="1200" dirty="0">
-              <a:latin typeface="Arial" panose="020B0604020202020204" pitchFamily="34" charset="0"/>
-              <a:cs typeface="Arial" panose="020B0604020202020204" pitchFamily="34" charset="0"/>
-            </a:endParaRPr>
-          </a:p>
-        </p:txBody>
-      </p:sp>
-      <p:sp>
-        <p:nvSpPr>
-          <p:cNvPr id="35" name="Rectangle: Rounded Corners 34">
-            <a:extLst>
-              <a:ext uri="{FF2B5EF4-FFF2-40B4-BE49-F238E27FC236}">
-                <a16:creationId xmlns:a16="http://schemas.microsoft.com/office/drawing/2014/main" id="{CCAF512B-6F28-929F-FBF8-FE0084C20B79}"/>
-              </a:ext>
-            </a:extLst>
-          </p:cNvPr>
-          <p:cNvSpPr/>
-          <p:nvPr/>
-        </p:nvSpPr>
-        <p:spPr>
-          <a:xfrm>
-            <a:off x="5143943" y="3654110"/>
-            <a:ext cx="1428328" cy="347940"/>
-          </a:xfrm>
-          <a:prstGeom prst="roundRect">
-            <a:avLst/>
-          </a:prstGeom>
-          <a:noFill/>
-          <a:ln>
-            <a:noFill/>
-          </a:ln>
-          <a:effectLst/>
-        </p:spPr>
-        <p:style>
-          <a:lnRef idx="1">
-            <a:schemeClr val="accent1"/>
-          </a:lnRef>
-          <a:fillRef idx="3">
-            <a:schemeClr val="accent1"/>
-          </a:fillRef>
-          <a:effectRef idx="2">
-            <a:schemeClr val="accent1"/>
-          </a:effectRef>
-          <a:fontRef idx="minor">
-            <a:schemeClr val="lt1"/>
-          </a:fontRef>
-        </p:style>
-        <p:txBody>
-          <a:bodyPr rtlCol="0" anchor="ctr"/>
-          <a:lstStyle/>
-          <a:p>
-            <a:pPr algn="ctr"/>
-            <a:endParaRPr lang="en-SG" sz="1200" dirty="0">
-              <a:latin typeface="Arial" panose="020B0604020202020204" pitchFamily="34" charset="0"/>
-              <a:cs typeface="Arial" panose="020B0604020202020204" pitchFamily="34" charset="0"/>
-            </a:endParaRPr>
-          </a:p>
-        </p:txBody>
-      </p:sp>
-      <p:sp>
-        <p:nvSpPr>
-          <p:cNvPr id="49" name="Rectangle: Rounded Corners 48">
-            <a:extLst>
-              <a:ext uri="{FF2B5EF4-FFF2-40B4-BE49-F238E27FC236}">
-                <a16:creationId xmlns:a16="http://schemas.microsoft.com/office/drawing/2014/main" id="{2242CC2B-D2C6-9918-7235-2D40B32947DC}"/>
-              </a:ext>
-            </a:extLst>
-          </p:cNvPr>
-          <p:cNvSpPr/>
-          <p:nvPr/>
-        </p:nvSpPr>
-        <p:spPr>
-          <a:xfrm>
-            <a:off x="3749254" y="2389149"/>
-            <a:ext cx="826040" cy="150110"/>
-          </a:xfrm>
-          <a:prstGeom prst="roundRect">
-            <a:avLst/>
-          </a:prstGeom>
-          <a:noFill/>
-          <a:ln>
-            <a:noFill/>
-          </a:ln>
-          <a:effectLst/>
-        </p:spPr>
-        <p:style>
-          <a:lnRef idx="1">
-            <a:schemeClr val="accent1"/>
-          </a:lnRef>
-          <a:fillRef idx="3">
-            <a:schemeClr val="accent1"/>
-          </a:fillRef>
-          <a:effectRef idx="2">
-            <a:schemeClr val="accent1"/>
-          </a:effectRef>
-          <a:fontRef idx="minor">
-            <a:schemeClr val="lt1"/>
-          </a:fontRef>
-        </p:style>
-        <p:txBody>
-          <a:bodyPr rtlCol="0" anchor="ctr"/>
-          <a:lstStyle/>
-          <a:p>
-            <a:pPr algn="ctr"/>
-            <a:endParaRPr lang="en-SG" sz="1200" dirty="0">
-              <a:latin typeface="Arial" panose="020B0604020202020204" pitchFamily="34" charset="0"/>
-              <a:cs typeface="Arial" panose="020B0604020202020204" pitchFamily="34" charset="0"/>
-            </a:endParaRPr>
-          </a:p>
-        </p:txBody>
-      </p:sp>
-      <p:graphicFrame>
-        <p:nvGraphicFramePr>
-          <p:cNvPr id="30" name="Table 29">
-            <a:extLst>
-              <a:ext uri="{FF2B5EF4-FFF2-40B4-BE49-F238E27FC236}">
-                <a16:creationId xmlns:a16="http://schemas.microsoft.com/office/drawing/2014/main" id="{DA5D0CF9-4BA0-25D6-5100-592EEBD24254}"/>
-              </a:ext>
-            </a:extLst>
-          </p:cNvPr>
-          <p:cNvGraphicFramePr>
-            <a:graphicFrameLocks noGrp="1"/>
-          </p:cNvGraphicFramePr>
-          <p:nvPr/>
-        </p:nvGraphicFramePr>
-        <p:xfrm>
-          <a:off x="2060570" y="1827811"/>
-          <a:ext cx="623136" cy="735136"/>
-        </p:xfrm>
-        <a:graphic>
-          <a:graphicData uri="http://schemas.openxmlformats.org/drawingml/2006/table">
-            <a:tbl>
-              <a:tblPr>
-                <a:tableStyleId>{5C22544A-7EE6-4342-B048-85BDC9FD1C3A}</a:tableStyleId>
-              </a:tblPr>
-              <a:tblGrid>
-                <a:gridCol w="155784">
-                  <a:extLst>
-                    <a:ext uri="{9D8B030D-6E8A-4147-A177-3AD203B41FA5}">
-                      <a16:colId xmlns:a16="http://schemas.microsoft.com/office/drawing/2014/main" val="1790669150"/>
-                    </a:ext>
-                  </a:extLst>
-                </a:gridCol>
-                <a:gridCol w="155784">
-                  <a:extLst>
-                    <a:ext uri="{9D8B030D-6E8A-4147-A177-3AD203B41FA5}">
-                      <a16:colId xmlns:a16="http://schemas.microsoft.com/office/drawing/2014/main" val="1603666464"/>
-                    </a:ext>
-                  </a:extLst>
-                </a:gridCol>
-                <a:gridCol w="155784">
-                  <a:extLst>
-                    <a:ext uri="{9D8B030D-6E8A-4147-A177-3AD203B41FA5}">
-                      <a16:colId xmlns:a16="http://schemas.microsoft.com/office/drawing/2014/main" val="767419047"/>
-                    </a:ext>
-                  </a:extLst>
-                </a:gridCol>
-                <a:gridCol w="155784">
-                  <a:extLst>
-                    <a:ext uri="{9D8B030D-6E8A-4147-A177-3AD203B41FA5}">
-                      <a16:colId xmlns:a16="http://schemas.microsoft.com/office/drawing/2014/main" val="1496651802"/>
-                    </a:ext>
-                  </a:extLst>
-                </a:gridCol>
-              </a:tblGrid>
-              <a:tr h="183674">
-                <a:tc>
-                  <a:txBody>
-                    <a:bodyPr/>
-                    <a:lstStyle/>
-                    <a:p>
-                      <a:r>
-                        <a:rPr lang="en-SG" sz="800" dirty="0"/>
-                        <a:t>x</a:t>
-                      </a:r>
-                    </a:p>
-                  </a:txBody>
-                  <a:tcPr marL="61864" marR="61864" marT="30932" marB="30932"/>
-                </a:tc>
-                <a:tc>
-                  <a:txBody>
-                    <a:bodyPr/>
-                    <a:lstStyle/>
-                    <a:p>
-                      <a:endParaRPr lang="en-SG" sz="800" dirty="0"/>
-                    </a:p>
-                  </a:txBody>
-                  <a:tcPr marL="61864" marR="61864" marT="30932" marB="30932"/>
-                </a:tc>
-                <a:tc>
-                  <a:txBody>
-                    <a:bodyPr/>
-                    <a:lstStyle/>
-                    <a:p>
-                      <a:endParaRPr lang="en-SG" sz="800"/>
-                    </a:p>
-                  </a:txBody>
-                  <a:tcPr marL="61864" marR="61864" marT="30932" marB="30932"/>
-                </a:tc>
-                <a:tc>
-                  <a:txBody>
-                    <a:bodyPr/>
-                    <a:lstStyle/>
-                    <a:p>
-                      <a:endParaRPr lang="en-SG" sz="800"/>
-                    </a:p>
-                  </a:txBody>
-                  <a:tcPr marL="61864" marR="61864" marT="30932" marB="30932"/>
-                </a:tc>
-                <a:extLst>
-                  <a:ext uri="{0D108BD9-81ED-4DB2-BD59-A6C34878D82A}">
-                    <a16:rowId xmlns:a16="http://schemas.microsoft.com/office/drawing/2014/main" val="3227373018"/>
-                  </a:ext>
-                </a:extLst>
-              </a:tr>
-              <a:tr h="183674">
-                <a:tc>
-                  <a:txBody>
-                    <a:bodyPr/>
-                    <a:lstStyle/>
-                    <a:p>
-                      <a:endParaRPr lang="en-SG" sz="800"/>
-                    </a:p>
-                  </a:txBody>
-                  <a:tcPr marL="61864" marR="61864" marT="30932" marB="30932"/>
-                </a:tc>
-                <a:tc>
-                  <a:txBody>
-                    <a:bodyPr/>
-                    <a:lstStyle/>
-                    <a:p>
-                      <a:endParaRPr lang="en-SG" sz="800" dirty="0"/>
-                    </a:p>
-                  </a:txBody>
-                  <a:tcPr marL="61864" marR="61864" marT="30932" marB="30932"/>
-                </a:tc>
-                <a:tc>
-                  <a:txBody>
-                    <a:bodyPr/>
-                    <a:lstStyle/>
-                    <a:p>
-                      <a:endParaRPr lang="en-SG" sz="800" dirty="0"/>
-                    </a:p>
-                  </a:txBody>
-                  <a:tcPr marL="61864" marR="61864" marT="30932" marB="30932"/>
-                </a:tc>
-                <a:tc>
-                  <a:txBody>
-                    <a:bodyPr/>
-                    <a:lstStyle/>
-                    <a:p>
-                      <a:r>
-                        <a:rPr lang="en-SG" sz="800" dirty="0"/>
-                        <a:t>x</a:t>
-                      </a:r>
-                    </a:p>
-                  </a:txBody>
-                  <a:tcPr marL="61864" marR="61864" marT="30932" marB="30932"/>
-                </a:tc>
-                <a:extLst>
-                  <a:ext uri="{0D108BD9-81ED-4DB2-BD59-A6C34878D82A}">
-                    <a16:rowId xmlns:a16="http://schemas.microsoft.com/office/drawing/2014/main" val="4107086278"/>
-                  </a:ext>
-                </a:extLst>
-              </a:tr>
-              <a:tr h="183674">
-                <a:tc>
-                  <a:txBody>
-                    <a:bodyPr/>
-                    <a:lstStyle/>
-                    <a:p>
-                      <a:endParaRPr lang="en-SG" sz="800"/>
-                    </a:p>
-                  </a:txBody>
-                  <a:tcPr marL="61864" marR="61864" marT="30932" marB="30932"/>
-                </a:tc>
-                <a:tc>
-                  <a:txBody>
-                    <a:bodyPr/>
-                    <a:lstStyle/>
-                    <a:p>
-                      <a:r>
-                        <a:rPr lang="en-SG" sz="800" dirty="0"/>
-                        <a:t>x</a:t>
-                      </a:r>
-                    </a:p>
-                  </a:txBody>
-                  <a:tcPr marL="61864" marR="61864" marT="30932" marB="30932"/>
-                </a:tc>
-                <a:tc>
-                  <a:txBody>
-                    <a:bodyPr/>
-                    <a:lstStyle/>
-                    <a:p>
-                      <a:endParaRPr lang="en-SG" sz="800" dirty="0"/>
-                    </a:p>
-                  </a:txBody>
-                  <a:tcPr marL="61864" marR="61864" marT="30932" marB="30932"/>
-                </a:tc>
-                <a:tc>
-                  <a:txBody>
-                    <a:bodyPr/>
-                    <a:lstStyle/>
-                    <a:p>
-                      <a:endParaRPr lang="en-SG" sz="800"/>
-                    </a:p>
-                  </a:txBody>
-                  <a:tcPr marL="61864" marR="61864" marT="30932" marB="30932"/>
-                </a:tc>
-                <a:extLst>
-                  <a:ext uri="{0D108BD9-81ED-4DB2-BD59-A6C34878D82A}">
-                    <a16:rowId xmlns:a16="http://schemas.microsoft.com/office/drawing/2014/main" val="2090652939"/>
-                  </a:ext>
-                </a:extLst>
-              </a:tr>
-              <a:tr h="183674">
-                <a:tc>
-                  <a:txBody>
-                    <a:bodyPr/>
-                    <a:lstStyle/>
-                    <a:p>
-                      <a:endParaRPr lang="en-SG" sz="800"/>
-                    </a:p>
-                  </a:txBody>
-                  <a:tcPr marL="61864" marR="61864" marT="30932" marB="30932"/>
-                </a:tc>
-                <a:tc>
-                  <a:txBody>
-                    <a:bodyPr/>
-                    <a:lstStyle/>
-                    <a:p>
-                      <a:endParaRPr lang="en-SG" sz="800" dirty="0"/>
-                    </a:p>
-                  </a:txBody>
-                  <a:tcPr marL="61864" marR="61864" marT="30932" marB="30932"/>
-                </a:tc>
-                <a:tc>
-                  <a:txBody>
-                    <a:bodyPr/>
-                    <a:lstStyle/>
-                    <a:p>
-                      <a:r>
-                        <a:rPr lang="en-SG" sz="800" dirty="0"/>
-                        <a:t>x</a:t>
-                      </a:r>
-                    </a:p>
-                  </a:txBody>
-                  <a:tcPr marL="61864" marR="61864" marT="30932" marB="30932"/>
-                </a:tc>
-                <a:tc>
-                  <a:txBody>
-                    <a:bodyPr/>
-                    <a:lstStyle/>
-                    <a:p>
-                      <a:endParaRPr lang="en-SG" sz="800" dirty="0"/>
-                    </a:p>
-                  </a:txBody>
-                  <a:tcPr marL="61864" marR="61864" marT="30932" marB="30932"/>
-                </a:tc>
-                <a:extLst>
-                  <a:ext uri="{0D108BD9-81ED-4DB2-BD59-A6C34878D82A}">
-                    <a16:rowId xmlns:a16="http://schemas.microsoft.com/office/drawing/2014/main" val="1846789169"/>
-                  </a:ext>
-                </a:extLst>
-              </a:tr>
-            </a:tbl>
-          </a:graphicData>
-        </a:graphic>
-      </p:graphicFrame>
-      <p:sp>
-        <p:nvSpPr>
-          <p:cNvPr id="22" name="TextBox 21">
-            <a:extLst>
-              <a:ext uri="{FF2B5EF4-FFF2-40B4-BE49-F238E27FC236}">
-                <a16:creationId xmlns:a16="http://schemas.microsoft.com/office/drawing/2014/main" id="{CA584504-A239-4B9C-85A7-410F11BF6076}"/>
-              </a:ext>
-            </a:extLst>
-          </p:cNvPr>
-          <p:cNvSpPr txBox="1"/>
-          <p:nvPr/>
-        </p:nvSpPr>
-        <p:spPr>
-          <a:xfrm>
-            <a:off x="991897" y="1872213"/>
-            <a:ext cx="1055911" cy="646331"/>
-          </a:xfrm>
-          <a:prstGeom prst="rect">
-            <a:avLst/>
-          </a:prstGeom>
-          <a:noFill/>
-        </p:spPr>
-        <p:txBody>
-          <a:bodyPr wrap="square">
-            <a:spAutoFit/>
-          </a:bodyPr>
-          <a:lstStyle/>
-          <a:p>
-            <a:pPr algn="r"/>
-            <a:r>
-              <a:rPr lang="en-SG" sz="1200" dirty="0"/>
-              <a:t>Latin Hypercube</a:t>
-            </a:r>
-            <a:br>
-              <a:rPr lang="en-SG" sz="1200" dirty="0"/>
-            </a:br>
-            <a:r>
-              <a:rPr lang="en-SG" sz="1200" dirty="0"/>
-              <a:t>Sampling</a:t>
-            </a:r>
-          </a:p>
-        </p:txBody>
-      </p:sp>
-      <p:sp>
-        <p:nvSpPr>
-          <p:cNvPr id="2075" name="TextBox 2074">
-            <a:extLst>
-              <a:ext uri="{FF2B5EF4-FFF2-40B4-BE49-F238E27FC236}">
-                <a16:creationId xmlns:a16="http://schemas.microsoft.com/office/drawing/2014/main" id="{825CF2BE-C243-E0ED-FDA9-5980ECFEA069}"/>
-              </a:ext>
-            </a:extLst>
-          </p:cNvPr>
-          <p:cNvSpPr txBox="1"/>
-          <p:nvPr/>
-        </p:nvSpPr>
-        <p:spPr>
-          <a:xfrm>
-            <a:off x="991897" y="3697246"/>
-            <a:ext cx="1055911" cy="461665"/>
-          </a:xfrm>
-          <a:prstGeom prst="rect">
-            <a:avLst/>
-          </a:prstGeom>
-          <a:noFill/>
-        </p:spPr>
-        <p:txBody>
-          <a:bodyPr wrap="square">
-            <a:spAutoFit/>
-          </a:bodyPr>
-          <a:lstStyle/>
-          <a:p>
-            <a:pPr algn="r"/>
-            <a:r>
-              <a:rPr lang="en-SG" sz="1200" dirty="0"/>
-              <a:t>Update</a:t>
-            </a:r>
-            <a:br>
-              <a:rPr lang="en-SG" sz="1200" dirty="0"/>
-            </a:br>
-            <a:r>
-              <a:rPr lang="en-SG" sz="1200" dirty="0"/>
-              <a:t>Dataset</a:t>
-            </a:r>
-          </a:p>
-        </p:txBody>
-      </p:sp>
-      <p:sp>
-        <p:nvSpPr>
-          <p:cNvPr id="2137" name="TextBox 2136">
-            <a:extLst>
-              <a:ext uri="{FF2B5EF4-FFF2-40B4-BE49-F238E27FC236}">
-                <a16:creationId xmlns:a16="http://schemas.microsoft.com/office/drawing/2014/main" id="{022F5636-5770-0D3C-8A6B-E7CE4B67E870}"/>
-              </a:ext>
-            </a:extLst>
-          </p:cNvPr>
-          <p:cNvSpPr txBox="1"/>
-          <p:nvPr/>
-        </p:nvSpPr>
-        <p:spPr>
-          <a:xfrm>
-            <a:off x="5497089" y="1535795"/>
-            <a:ext cx="1682104" cy="276999"/>
-          </a:xfrm>
-          <a:prstGeom prst="rect">
-            <a:avLst/>
-          </a:prstGeom>
-          <a:noFill/>
-        </p:spPr>
-        <p:txBody>
-          <a:bodyPr wrap="square">
-            <a:spAutoFit/>
-          </a:bodyPr>
-          <a:lstStyle/>
-          <a:p>
-            <a:pPr algn="ctr"/>
-            <a:r>
-              <a:rPr lang="en-SG" sz="1200" dirty="0"/>
-              <a:t>Preferential objective</a:t>
-            </a:r>
-          </a:p>
-        </p:txBody>
-      </p:sp>
-      <p:pic>
-        <p:nvPicPr>
-          <p:cNvPr id="2179" name="Picture 2178">
-            <a:extLst>
-              <a:ext uri="{FF2B5EF4-FFF2-40B4-BE49-F238E27FC236}">
-                <a16:creationId xmlns:a16="http://schemas.microsoft.com/office/drawing/2014/main" id="{0193BD1D-4BA4-0AC0-867B-C137320EACE7}"/>
-              </a:ext>
-            </a:extLst>
-          </p:cNvPr>
-          <p:cNvPicPr>
-            <a:picLocks noChangeAspect="1"/>
-          </p:cNvPicPr>
-          <p:nvPr/>
-        </p:nvPicPr>
-        <p:blipFill>
-          <a:blip r:embed="rId2"/>
-          <a:stretch>
-            <a:fillRect/>
-          </a:stretch>
-        </p:blipFill>
-        <p:spPr>
-          <a:xfrm>
-            <a:off x="5791546" y="1784991"/>
-            <a:ext cx="1086960" cy="1098483"/>
-          </a:xfrm>
-          <a:prstGeom prst="rect">
-            <a:avLst/>
-          </a:prstGeom>
-        </p:spPr>
-      </p:pic>
-      <p:sp>
-        <p:nvSpPr>
-          <p:cNvPr id="2257" name="TextBox 2256">
-            <a:extLst>
-              <a:ext uri="{FF2B5EF4-FFF2-40B4-BE49-F238E27FC236}">
-                <a16:creationId xmlns:a16="http://schemas.microsoft.com/office/drawing/2014/main" id="{C8777729-8FD3-5381-A2A3-DEF474773378}"/>
-              </a:ext>
-            </a:extLst>
-          </p:cNvPr>
-          <p:cNvSpPr txBox="1"/>
-          <p:nvPr/>
-        </p:nvSpPr>
-        <p:spPr>
-          <a:xfrm>
-            <a:off x="3454695" y="3108260"/>
-            <a:ext cx="1428328" cy="276999"/>
-          </a:xfrm>
-          <a:prstGeom prst="rect">
-            <a:avLst/>
-          </a:prstGeom>
-          <a:noFill/>
-        </p:spPr>
-        <p:txBody>
-          <a:bodyPr wrap="square">
-            <a:spAutoFit/>
-          </a:bodyPr>
-          <a:lstStyle/>
-          <a:p>
-            <a:pPr algn="ctr"/>
-            <a:r>
-              <a:rPr lang="en-SG" sz="1200" dirty="0"/>
-              <a:t>Gaussian Process</a:t>
-            </a:r>
-          </a:p>
-        </p:txBody>
-      </p:sp>
-      <p:sp>
-        <p:nvSpPr>
-          <p:cNvPr id="2268" name="Rectangle: Rounded Corners 2267">
-            <a:extLst>
-              <a:ext uri="{FF2B5EF4-FFF2-40B4-BE49-F238E27FC236}">
-                <a16:creationId xmlns:a16="http://schemas.microsoft.com/office/drawing/2014/main" id="{59CA084E-0887-9EA3-E696-13E3758D0045}"/>
-              </a:ext>
-            </a:extLst>
-          </p:cNvPr>
-          <p:cNvSpPr/>
-          <p:nvPr/>
-        </p:nvSpPr>
-        <p:spPr>
-          <a:xfrm>
-            <a:off x="1898880" y="3333052"/>
-            <a:ext cx="878958" cy="990058"/>
-          </a:xfrm>
-          <a:prstGeom prst="roundRect">
-            <a:avLst/>
-          </a:prstGeom>
-          <a:noFill/>
-          <a:ln>
-            <a:noFill/>
-          </a:ln>
-          <a:effectLst/>
-        </p:spPr>
-        <p:style>
-          <a:lnRef idx="1">
-            <a:schemeClr val="accent1"/>
-          </a:lnRef>
-          <a:fillRef idx="3">
-            <a:schemeClr val="accent1"/>
-          </a:fillRef>
-          <a:effectRef idx="2">
-            <a:schemeClr val="accent1"/>
-          </a:effectRef>
-          <a:fontRef idx="minor">
-            <a:schemeClr val="lt1"/>
-          </a:fontRef>
-        </p:style>
-        <p:txBody>
-          <a:bodyPr rtlCol="0" anchor="ctr"/>
-          <a:lstStyle/>
-          <a:p>
-            <a:pPr algn="ctr"/>
-            <a:endParaRPr lang="en-SG" sz="1200" dirty="0">
-              <a:latin typeface="Arial" panose="020B0604020202020204" pitchFamily="34" charset="0"/>
-              <a:cs typeface="Arial" panose="020B0604020202020204" pitchFamily="34" charset="0"/>
-            </a:endParaRPr>
-          </a:p>
-        </p:txBody>
-      </p:sp>
-      <p:sp>
-        <p:nvSpPr>
-          <p:cNvPr id="2292" name="Rectangle: Rounded Corners 2291">
-            <a:extLst>
-              <a:ext uri="{FF2B5EF4-FFF2-40B4-BE49-F238E27FC236}">
-                <a16:creationId xmlns:a16="http://schemas.microsoft.com/office/drawing/2014/main" id="{6AA8B806-E2F2-7D2C-B3D7-5506DC0084F3}"/>
-              </a:ext>
-            </a:extLst>
-          </p:cNvPr>
-          <p:cNvSpPr/>
-          <p:nvPr/>
-        </p:nvSpPr>
-        <p:spPr>
-          <a:xfrm>
-            <a:off x="8892103" y="3344545"/>
-            <a:ext cx="2215484" cy="967068"/>
-          </a:xfrm>
-          <a:prstGeom prst="roundRect">
-            <a:avLst/>
-          </a:prstGeom>
-          <a:noFill/>
-          <a:ln>
-            <a:noFill/>
-          </a:ln>
-          <a:effectLst/>
-        </p:spPr>
-        <p:style>
-          <a:lnRef idx="1">
-            <a:schemeClr val="accent1"/>
-          </a:lnRef>
-          <a:fillRef idx="3">
-            <a:schemeClr val="accent1"/>
-          </a:fillRef>
-          <a:effectRef idx="2">
-            <a:schemeClr val="accent1"/>
-          </a:effectRef>
-          <a:fontRef idx="minor">
-            <a:schemeClr val="lt1"/>
-          </a:fontRef>
-        </p:style>
-        <p:txBody>
-          <a:bodyPr rtlCol="0" anchor="ctr"/>
-          <a:lstStyle/>
-          <a:p>
-            <a:pPr algn="ctr"/>
-            <a:endParaRPr lang="en-SG" sz="1200" dirty="0">
-              <a:latin typeface="Arial" panose="020B0604020202020204" pitchFamily="34" charset="0"/>
-              <a:cs typeface="Arial" panose="020B0604020202020204" pitchFamily="34" charset="0"/>
-            </a:endParaRPr>
-          </a:p>
-        </p:txBody>
-      </p:sp>
-      <p:graphicFrame>
-        <p:nvGraphicFramePr>
-          <p:cNvPr id="2308" name="Table 2307">
-            <a:extLst>
-              <a:ext uri="{FF2B5EF4-FFF2-40B4-BE49-F238E27FC236}">
-                <a16:creationId xmlns:a16="http://schemas.microsoft.com/office/drawing/2014/main" id="{3A5CBA99-ADAC-0DB6-2E71-48E78EFE7862}"/>
-              </a:ext>
-            </a:extLst>
-          </p:cNvPr>
-          <p:cNvGraphicFramePr>
-            <a:graphicFrameLocks noGrp="1"/>
-          </p:cNvGraphicFramePr>
-          <p:nvPr/>
-        </p:nvGraphicFramePr>
-        <p:xfrm>
-          <a:off x="2070204" y="3460512"/>
-          <a:ext cx="623136" cy="735136"/>
-        </p:xfrm>
-        <a:graphic>
-          <a:graphicData uri="http://schemas.openxmlformats.org/drawingml/2006/table">
-            <a:tbl>
-              <a:tblPr>
-                <a:tableStyleId>{5C22544A-7EE6-4342-B048-85BDC9FD1C3A}</a:tableStyleId>
-              </a:tblPr>
-              <a:tblGrid>
-                <a:gridCol w="149128">
-                  <a:extLst>
-                    <a:ext uri="{9D8B030D-6E8A-4147-A177-3AD203B41FA5}">
-                      <a16:colId xmlns:a16="http://schemas.microsoft.com/office/drawing/2014/main" val="1790669150"/>
-                    </a:ext>
-                  </a:extLst>
-                </a:gridCol>
-                <a:gridCol w="162440">
-                  <a:extLst>
-                    <a:ext uri="{9D8B030D-6E8A-4147-A177-3AD203B41FA5}">
-                      <a16:colId xmlns:a16="http://schemas.microsoft.com/office/drawing/2014/main" val="1603666464"/>
-                    </a:ext>
-                  </a:extLst>
-                </a:gridCol>
-                <a:gridCol w="155784">
-                  <a:extLst>
-                    <a:ext uri="{9D8B030D-6E8A-4147-A177-3AD203B41FA5}">
-                      <a16:colId xmlns:a16="http://schemas.microsoft.com/office/drawing/2014/main" val="767419047"/>
-                    </a:ext>
-                  </a:extLst>
-                </a:gridCol>
-                <a:gridCol w="155784">
-                  <a:extLst>
-                    <a:ext uri="{9D8B030D-6E8A-4147-A177-3AD203B41FA5}">
-                      <a16:colId xmlns:a16="http://schemas.microsoft.com/office/drawing/2014/main" val="1496651802"/>
-                    </a:ext>
-                  </a:extLst>
-                </a:gridCol>
-              </a:tblGrid>
-              <a:tr h="183674">
-                <a:tc>
-                  <a:txBody>
-                    <a:bodyPr/>
-                    <a:lstStyle/>
-                    <a:p>
-                      <a:endParaRPr lang="en-SG" sz="800" dirty="0"/>
-                    </a:p>
-                  </a:txBody>
-                  <a:tcPr marL="61864" marR="61864" marT="30932" marB="30932"/>
-                </a:tc>
-                <a:tc>
-                  <a:txBody>
-                    <a:bodyPr/>
-                    <a:lstStyle/>
-                    <a:p>
-                      <a:endParaRPr lang="en-SG" sz="800" dirty="0"/>
-                    </a:p>
-                  </a:txBody>
-                  <a:tcPr marL="61864" marR="61864" marT="30932" marB="30932"/>
-                </a:tc>
-                <a:tc>
-                  <a:txBody>
-                    <a:bodyPr/>
-                    <a:lstStyle/>
-                    <a:p>
-                      <a:endParaRPr lang="en-SG" sz="800"/>
-                    </a:p>
-                  </a:txBody>
-                  <a:tcPr marL="61864" marR="61864" marT="30932" marB="30932"/>
-                </a:tc>
-                <a:tc>
-                  <a:txBody>
-                    <a:bodyPr/>
-                    <a:lstStyle/>
-                    <a:p>
-                      <a:endParaRPr lang="en-SG" sz="800"/>
-                    </a:p>
-                  </a:txBody>
-                  <a:tcPr marL="61864" marR="61864" marT="30932" marB="30932"/>
-                </a:tc>
-                <a:extLst>
-                  <a:ext uri="{0D108BD9-81ED-4DB2-BD59-A6C34878D82A}">
-                    <a16:rowId xmlns:a16="http://schemas.microsoft.com/office/drawing/2014/main" val="3227373018"/>
-                  </a:ext>
-                </a:extLst>
-              </a:tr>
-              <a:tr h="183674">
-                <a:tc>
-                  <a:txBody>
-                    <a:bodyPr/>
-                    <a:lstStyle/>
-                    <a:p>
-                      <a:endParaRPr lang="en-SG" sz="800"/>
-                    </a:p>
-                  </a:txBody>
-                  <a:tcPr marL="61864" marR="61864" marT="30932" marB="30932">
-                    <a:solidFill>
-                      <a:srgbClr val="FF0000">
-                        <a:alpha val="30196"/>
-                      </a:srgbClr>
-                    </a:solidFill>
-                  </a:tcPr>
-                </a:tc>
-                <a:tc>
-                  <a:txBody>
-                    <a:bodyPr/>
-                    <a:lstStyle/>
-                    <a:p>
-                      <a:endParaRPr lang="en-SG" sz="800" dirty="0"/>
-                    </a:p>
-                  </a:txBody>
-                  <a:tcPr marL="61864" marR="61864" marT="30932" marB="30932">
-                    <a:solidFill>
-                      <a:srgbClr val="FF0000">
-                        <a:alpha val="30196"/>
-                      </a:srgbClr>
-                    </a:solidFill>
-                  </a:tcPr>
-                </a:tc>
-                <a:tc>
-                  <a:txBody>
-                    <a:bodyPr/>
-                    <a:lstStyle/>
-                    <a:p>
-                      <a:endParaRPr lang="en-SG" sz="800" dirty="0"/>
-                    </a:p>
-                  </a:txBody>
-                  <a:tcPr marL="61864" marR="61864" marT="30932" marB="30932">
-                    <a:solidFill>
-                      <a:srgbClr val="FF0000">
-                        <a:alpha val="30196"/>
-                      </a:srgbClr>
-                    </a:solidFill>
-                  </a:tcPr>
-                </a:tc>
-                <a:tc>
-                  <a:txBody>
-                    <a:bodyPr/>
-                    <a:lstStyle/>
-                    <a:p>
-                      <a:endParaRPr lang="en-SG" sz="800" dirty="0"/>
-                    </a:p>
-                  </a:txBody>
-                  <a:tcPr marL="61864" marR="61864" marT="30932" marB="30932">
-                    <a:solidFill>
-                      <a:srgbClr val="FF0000">
-                        <a:alpha val="30196"/>
-                      </a:srgbClr>
-                    </a:solidFill>
-                  </a:tcPr>
-                </a:tc>
-                <a:extLst>
-                  <a:ext uri="{0D108BD9-81ED-4DB2-BD59-A6C34878D82A}">
-                    <a16:rowId xmlns:a16="http://schemas.microsoft.com/office/drawing/2014/main" val="4107086278"/>
-                  </a:ext>
-                </a:extLst>
-              </a:tr>
-              <a:tr h="183674">
-                <a:tc>
-                  <a:txBody>
-                    <a:bodyPr/>
-                    <a:lstStyle/>
-                    <a:p>
-                      <a:endParaRPr lang="en-SG" sz="800"/>
-                    </a:p>
-                  </a:txBody>
-                  <a:tcPr marL="61864" marR="61864" marT="30932" marB="30932">
-                    <a:solidFill>
-                      <a:srgbClr val="0070C0">
-                        <a:alpha val="30196"/>
-                      </a:srgbClr>
-                    </a:solidFill>
-                  </a:tcPr>
-                </a:tc>
-                <a:tc>
-                  <a:txBody>
-                    <a:bodyPr/>
-                    <a:lstStyle/>
-                    <a:p>
-                      <a:endParaRPr lang="en-SG" sz="800" dirty="0"/>
-                    </a:p>
-                  </a:txBody>
-                  <a:tcPr marL="61864" marR="61864" marT="30932" marB="30932">
-                    <a:solidFill>
-                      <a:srgbClr val="0070C0">
-                        <a:alpha val="30196"/>
-                      </a:srgbClr>
-                    </a:solidFill>
-                  </a:tcPr>
-                </a:tc>
-                <a:tc>
-                  <a:txBody>
-                    <a:bodyPr/>
-                    <a:lstStyle/>
-                    <a:p>
-                      <a:endParaRPr lang="en-SG" sz="800" dirty="0"/>
-                    </a:p>
-                  </a:txBody>
-                  <a:tcPr marL="61864" marR="61864" marT="30932" marB="30932">
-                    <a:solidFill>
-                      <a:srgbClr val="0070C0">
-                        <a:alpha val="30196"/>
-                      </a:srgbClr>
-                    </a:solidFill>
-                  </a:tcPr>
-                </a:tc>
-                <a:tc>
-                  <a:txBody>
-                    <a:bodyPr/>
-                    <a:lstStyle/>
-                    <a:p>
-                      <a:endParaRPr lang="en-SG" sz="800" dirty="0"/>
-                    </a:p>
-                  </a:txBody>
-                  <a:tcPr marL="61864" marR="61864" marT="30932" marB="30932">
-                    <a:solidFill>
-                      <a:srgbClr val="0070C0">
-                        <a:alpha val="30196"/>
-                      </a:srgbClr>
-                    </a:solidFill>
-                  </a:tcPr>
-                </a:tc>
-                <a:extLst>
-                  <a:ext uri="{0D108BD9-81ED-4DB2-BD59-A6C34878D82A}">
-                    <a16:rowId xmlns:a16="http://schemas.microsoft.com/office/drawing/2014/main" val="2090652939"/>
-                  </a:ext>
-                </a:extLst>
-              </a:tr>
-              <a:tr h="183674">
-                <a:tc>
-                  <a:txBody>
-                    <a:bodyPr/>
-                    <a:lstStyle/>
-                    <a:p>
-                      <a:endParaRPr lang="en-SG" sz="800"/>
-                    </a:p>
-                  </a:txBody>
-                  <a:tcPr marL="61864" marR="61864" marT="30932" marB="30932">
-                    <a:solidFill>
-                      <a:srgbClr val="00B050">
-                        <a:alpha val="30196"/>
-                      </a:srgbClr>
-                    </a:solidFill>
-                  </a:tcPr>
-                </a:tc>
-                <a:tc>
-                  <a:txBody>
-                    <a:bodyPr/>
-                    <a:lstStyle/>
-                    <a:p>
-                      <a:endParaRPr lang="en-SG" sz="800" dirty="0"/>
-                    </a:p>
-                  </a:txBody>
-                  <a:tcPr marL="61864" marR="61864" marT="30932" marB="30932">
-                    <a:solidFill>
-                      <a:srgbClr val="00B050">
-                        <a:alpha val="30196"/>
-                      </a:srgbClr>
-                    </a:solidFill>
-                  </a:tcPr>
-                </a:tc>
-                <a:tc>
-                  <a:txBody>
-                    <a:bodyPr/>
-                    <a:lstStyle/>
-                    <a:p>
-                      <a:endParaRPr lang="en-SG" sz="800" dirty="0"/>
-                    </a:p>
-                  </a:txBody>
-                  <a:tcPr marL="61864" marR="61864" marT="30932" marB="30932">
-                    <a:solidFill>
-                      <a:srgbClr val="00B050">
-                        <a:alpha val="30196"/>
-                      </a:srgbClr>
-                    </a:solidFill>
-                  </a:tcPr>
-                </a:tc>
-                <a:tc>
-                  <a:txBody>
-                    <a:bodyPr/>
-                    <a:lstStyle/>
-                    <a:p>
-                      <a:endParaRPr lang="en-SG" sz="800" dirty="0"/>
-                    </a:p>
-                  </a:txBody>
-                  <a:tcPr marL="61864" marR="61864" marT="30932" marB="30932">
-                    <a:solidFill>
-                      <a:srgbClr val="00B050">
-                        <a:alpha val="30196"/>
-                      </a:srgbClr>
-                    </a:solidFill>
-                  </a:tcPr>
-                </a:tc>
-                <a:extLst>
-                  <a:ext uri="{0D108BD9-81ED-4DB2-BD59-A6C34878D82A}">
-                    <a16:rowId xmlns:a16="http://schemas.microsoft.com/office/drawing/2014/main" val="1846789169"/>
-                  </a:ext>
-                </a:extLst>
-              </a:tr>
-            </a:tbl>
-          </a:graphicData>
-        </a:graphic>
-      </p:graphicFrame>
-      <p:pic>
-        <p:nvPicPr>
-          <p:cNvPr id="3074" name="Picture 2">
-            <a:extLst>
-              <a:ext uri="{FF2B5EF4-FFF2-40B4-BE49-F238E27FC236}">
-                <a16:creationId xmlns:a16="http://schemas.microsoft.com/office/drawing/2014/main" id="{6416F04D-394E-DD60-A42B-9C7BB45B9AA0}"/>
-              </a:ext>
-            </a:extLst>
-          </p:cNvPr>
-          <p:cNvPicPr>
-            <a:picLocks noChangeAspect="1" noChangeArrowheads="1"/>
-          </p:cNvPicPr>
-          <p:nvPr/>
-        </p:nvPicPr>
-        <p:blipFill rotWithShape="1">
-          <a:blip r:embed="rId3">
-            <a:extLst>
-              <a:ext uri="{28A0092B-C50C-407E-A947-70E740481C1C}">
-                <a14:useLocalDpi xmlns:a14="http://schemas.microsoft.com/office/drawing/2010/main" val="0"/>
-              </a:ext>
-            </a:extLst>
-          </a:blip>
-          <a:srcRect l="4463" t="5005" r="4437" b="5206"/>
-          <a:stretch>
-            <a:fillRect/>
-          </a:stretch>
-        </p:blipFill>
-        <p:spPr bwMode="auto">
-          <a:xfrm>
-            <a:off x="3590630" y="3441572"/>
-            <a:ext cx="1165144" cy="778232"/>
-          </a:xfrm>
-          <a:prstGeom prst="rect">
-            <a:avLst/>
-          </a:prstGeom>
-          <a:noFill/>
-          <a:extLst>
-            <a:ext uri="{909E8E84-426E-40DD-AFC4-6F175D3DCCD1}">
-              <a14:hiddenFill xmlns:a14="http://schemas.microsoft.com/office/drawing/2010/main">
-                <a:solidFill>
-                  <a:srgbClr val="FFFFFF"/>
-                </a:solidFill>
-              </a14:hiddenFill>
-            </a:ext>
-          </a:extLst>
-        </p:spPr>
-      </p:pic>
-      <p:sp>
-        <p:nvSpPr>
-          <p:cNvPr id="2355" name="Rectangle: Rounded Corners 2354">
-            <a:extLst>
-              <a:ext uri="{FF2B5EF4-FFF2-40B4-BE49-F238E27FC236}">
-                <a16:creationId xmlns:a16="http://schemas.microsoft.com/office/drawing/2014/main" id="{09F940F7-7B0C-204B-644E-6C6B33244255}"/>
-              </a:ext>
-            </a:extLst>
-          </p:cNvPr>
-          <p:cNvSpPr/>
-          <p:nvPr/>
-        </p:nvSpPr>
-        <p:spPr>
-          <a:xfrm>
-            <a:off x="6880478" y="2678438"/>
-            <a:ext cx="174354" cy="105542"/>
-          </a:xfrm>
-          <a:prstGeom prst="roundRect">
-            <a:avLst/>
-          </a:prstGeom>
-          <a:noFill/>
-          <a:ln>
-            <a:noFill/>
-          </a:ln>
-          <a:effectLst/>
-        </p:spPr>
-        <p:style>
-          <a:lnRef idx="1">
-            <a:schemeClr val="accent1"/>
-          </a:lnRef>
-          <a:fillRef idx="3">
-            <a:schemeClr val="accent1"/>
-          </a:fillRef>
-          <a:effectRef idx="2">
-            <a:schemeClr val="accent1"/>
-          </a:effectRef>
-          <a:fontRef idx="minor">
-            <a:schemeClr val="lt1"/>
-          </a:fontRef>
-        </p:style>
-        <p:txBody>
-          <a:bodyPr rtlCol="0" anchor="ctr"/>
-          <a:lstStyle/>
-          <a:p>
-            <a:pPr algn="ctr"/>
-            <a:endParaRPr lang="en-SG" sz="1200" dirty="0">
-              <a:latin typeface="Arial" panose="020B0604020202020204" pitchFamily="34" charset="0"/>
-              <a:cs typeface="Arial" panose="020B0604020202020204" pitchFamily="34" charset="0"/>
-            </a:endParaRPr>
-          </a:p>
-        </p:txBody>
-      </p:sp>
-      <p:sp>
-        <p:nvSpPr>
-          <p:cNvPr id="2347" name="Rectangle: Rounded Corners 2346">
-            <a:extLst>
-              <a:ext uri="{FF2B5EF4-FFF2-40B4-BE49-F238E27FC236}">
-                <a16:creationId xmlns:a16="http://schemas.microsoft.com/office/drawing/2014/main" id="{FBA1696C-9D5D-A3D1-4FEE-F56CA8B04F54}"/>
-              </a:ext>
-            </a:extLst>
-          </p:cNvPr>
-          <p:cNvSpPr/>
-          <p:nvPr/>
-        </p:nvSpPr>
-        <p:spPr>
-          <a:xfrm>
-            <a:off x="5628638" y="2678438"/>
-            <a:ext cx="174354" cy="105542"/>
-          </a:xfrm>
-          <a:prstGeom prst="roundRect">
-            <a:avLst/>
-          </a:prstGeom>
-          <a:noFill/>
-          <a:ln>
-            <a:noFill/>
-          </a:ln>
-          <a:effectLst/>
-        </p:spPr>
-        <p:style>
-          <a:lnRef idx="1">
-            <a:schemeClr val="accent1"/>
-          </a:lnRef>
-          <a:fillRef idx="3">
-            <a:schemeClr val="accent1"/>
-          </a:fillRef>
-          <a:effectRef idx="2">
-            <a:schemeClr val="accent1"/>
-          </a:effectRef>
-          <a:fontRef idx="minor">
-            <a:schemeClr val="lt1"/>
-          </a:fontRef>
-        </p:style>
-        <p:txBody>
-          <a:bodyPr rtlCol="0" anchor="ctr"/>
-          <a:lstStyle/>
-          <a:p>
-            <a:pPr algn="ctr"/>
-            <a:endParaRPr lang="en-SG" sz="1200" dirty="0">
-              <a:latin typeface="Arial" panose="020B0604020202020204" pitchFamily="34" charset="0"/>
-              <a:cs typeface="Arial" panose="020B0604020202020204" pitchFamily="34" charset="0"/>
-            </a:endParaRPr>
-          </a:p>
-        </p:txBody>
-      </p:sp>
-      <p:sp>
-        <p:nvSpPr>
-          <p:cNvPr id="2367" name="Rectangle: Rounded Corners 2366">
-            <a:extLst>
-              <a:ext uri="{FF2B5EF4-FFF2-40B4-BE49-F238E27FC236}">
-                <a16:creationId xmlns:a16="http://schemas.microsoft.com/office/drawing/2014/main" id="{AFA81990-026A-704E-1CC9-8EC94D7C15A0}"/>
-              </a:ext>
-            </a:extLst>
-          </p:cNvPr>
-          <p:cNvSpPr/>
-          <p:nvPr/>
-        </p:nvSpPr>
-        <p:spPr>
-          <a:xfrm>
-            <a:off x="7518739" y="3340218"/>
-            <a:ext cx="855641" cy="967068"/>
-          </a:xfrm>
-          <a:prstGeom prst="roundRect">
-            <a:avLst/>
-          </a:prstGeom>
-          <a:noFill/>
-          <a:ln>
-            <a:noFill/>
-          </a:ln>
-          <a:effectLst/>
-        </p:spPr>
-        <p:style>
-          <a:lnRef idx="1">
-            <a:schemeClr val="accent1"/>
-          </a:lnRef>
-          <a:fillRef idx="3">
-            <a:schemeClr val="accent1"/>
-          </a:fillRef>
-          <a:effectRef idx="2">
-            <a:schemeClr val="accent1"/>
-          </a:effectRef>
-          <a:fontRef idx="minor">
-            <a:schemeClr val="lt1"/>
-          </a:fontRef>
-        </p:style>
-        <p:txBody>
-          <a:bodyPr rtlCol="0" anchor="ctr"/>
-          <a:lstStyle/>
-          <a:p>
-            <a:pPr algn="ctr"/>
-            <a:endParaRPr lang="en-SG" sz="1200" dirty="0">
-              <a:latin typeface="Arial" panose="020B0604020202020204" pitchFamily="34" charset="0"/>
-              <a:cs typeface="Arial" panose="020B0604020202020204" pitchFamily="34" charset="0"/>
-            </a:endParaRPr>
+            <a:endParaRPr lang="en-SG"/>
           </a:p>
         </p:txBody>
       </p:sp>
       <p:cxnSp>
         <p:nvCxnSpPr>
-          <p:cNvPr id="3075" name="Straight Arrow Connector 3074">
-            <a:extLst>
-              <a:ext uri="{FF2B5EF4-FFF2-40B4-BE49-F238E27FC236}">
-                <a16:creationId xmlns:a16="http://schemas.microsoft.com/office/drawing/2014/main" id="{91BC4728-5468-2D91-077C-F4C6EC75E208}"/>
+          <p:cNvPr id="3182" name="Straight Arrow Connector 3181">
+            <a:extLst>
+              <a:ext uri="{FF2B5EF4-FFF2-40B4-BE49-F238E27FC236}">
+                <a16:creationId xmlns:a16="http://schemas.microsoft.com/office/drawing/2014/main" id="{ED318189-73D7-4739-A4FF-DCC8C55F2342}"/>
               </a:ext>
             </a:extLst>
           </p:cNvPr>
           <p:cNvCxnSpPr>
             <a:cxnSpLocks/>
-            <a:stCxn id="2367" idx="3"/>
-            <a:endCxn id="2292" idx="1"/>
           </p:cNvCxnSpPr>
           <p:nvPr/>
         </p:nvCxnSpPr>
         <p:spPr>
-          <a:xfrm>
-            <a:off x="8374380" y="3823752"/>
-            <a:ext cx="517723" cy="4327"/>
+          <a:xfrm flipH="1">
+            <a:off x="1505652" y="618097"/>
+            <a:ext cx="614210" cy="0"/>
           </a:xfrm>
           <a:prstGeom prst="straightConnector1">
             <a:avLst/>
@@ -5924,122 +5687,10 @@
       </p:cxnSp>
       <p:sp>
         <p:nvSpPr>
-          <p:cNvPr id="3086" name="TextBox 3085">
-            <a:extLst>
-              <a:ext uri="{FF2B5EF4-FFF2-40B4-BE49-F238E27FC236}">
-                <a16:creationId xmlns:a16="http://schemas.microsoft.com/office/drawing/2014/main" id="{4C1B1F4C-7306-4D69-6962-764E006097D7}"/>
-              </a:ext>
-            </a:extLst>
-          </p:cNvPr>
-          <p:cNvSpPr txBox="1"/>
-          <p:nvPr/>
-        </p:nvSpPr>
-        <p:spPr>
-          <a:xfrm>
-            <a:off x="7168364" y="3072201"/>
-            <a:ext cx="1428328" cy="276999"/>
-          </a:xfrm>
-          <a:prstGeom prst="rect">
-            <a:avLst/>
-          </a:prstGeom>
-          <a:noFill/>
-        </p:spPr>
-        <p:txBody>
-          <a:bodyPr wrap="square">
-            <a:spAutoFit/>
-          </a:bodyPr>
-          <a:lstStyle/>
-          <a:p>
-            <a:pPr algn="ctr"/>
-            <a:r>
-              <a:rPr lang="en-SG" sz="1200" dirty="0"/>
-              <a:t>Synthesis</a:t>
-            </a:r>
-          </a:p>
-        </p:txBody>
-      </p:sp>
-      <p:sp>
-        <p:nvSpPr>
-          <p:cNvPr id="3087" name="TextBox 3086">
-            <a:extLst>
-              <a:ext uri="{FF2B5EF4-FFF2-40B4-BE49-F238E27FC236}">
-                <a16:creationId xmlns:a16="http://schemas.microsoft.com/office/drawing/2014/main" id="{69A98F67-CDB9-CDDF-6373-B7B5ADD408B3}"/>
-              </a:ext>
-            </a:extLst>
-          </p:cNvPr>
-          <p:cNvSpPr txBox="1"/>
-          <p:nvPr/>
-        </p:nvSpPr>
-        <p:spPr>
-          <a:xfrm>
-            <a:off x="9175040" y="3072201"/>
-            <a:ext cx="1428328" cy="276999"/>
-          </a:xfrm>
-          <a:prstGeom prst="rect">
-            <a:avLst/>
-          </a:prstGeom>
-          <a:noFill/>
-        </p:spPr>
-        <p:txBody>
-          <a:bodyPr wrap="square">
-            <a:spAutoFit/>
-          </a:bodyPr>
-          <a:lstStyle/>
-          <a:p>
-            <a:pPr algn="ctr"/>
-            <a:r>
-              <a:rPr lang="en-SG" sz="1200" dirty="0"/>
-              <a:t>Characterization</a:t>
-            </a:r>
-          </a:p>
-        </p:txBody>
-      </p:sp>
-      <p:sp>
-        <p:nvSpPr>
-          <p:cNvPr id="3103" name="TextBox 3102">
-            <a:extLst>
-              <a:ext uri="{FF2B5EF4-FFF2-40B4-BE49-F238E27FC236}">
-                <a16:creationId xmlns:a16="http://schemas.microsoft.com/office/drawing/2014/main" id="{5F19CB16-7DAE-F597-1950-6F231F4ABFC6}"/>
-              </a:ext>
-            </a:extLst>
-          </p:cNvPr>
-          <p:cNvSpPr txBox="1"/>
-          <p:nvPr/>
-        </p:nvSpPr>
-        <p:spPr>
-          <a:xfrm>
-            <a:off x="5401100" y="3072201"/>
-            <a:ext cx="1858778" cy="276999"/>
-          </a:xfrm>
-          <a:prstGeom prst="rect">
-            <a:avLst/>
-          </a:prstGeom>
-          <a:noFill/>
-        </p:spPr>
-        <p:txBody>
-          <a:bodyPr wrap="square">
-            <a:spAutoFit/>
-          </a:bodyPr>
-          <a:lstStyle/>
-          <a:p>
-            <a:pPr algn="ctr"/>
-            <a:r>
-              <a:rPr lang="en-SG" sz="1200" dirty="0" err="1"/>
-              <a:t>qNEHVI</a:t>
-            </a:r>
-            <a:r>
-              <a:rPr lang="en-SG" sz="1200" dirty="0"/>
-              <a:t> Optimization</a:t>
-            </a:r>
-          </a:p>
-        </p:txBody>
-      </p:sp>
-      <p:sp>
-        <p:nvSpPr>
-          <p:cNvPr id="3104" name="Rectangle: Rounded Corners 3103">
-            <a:extLst>
-              <a:ext uri="{FF2B5EF4-FFF2-40B4-BE49-F238E27FC236}">
-                <a16:creationId xmlns:a16="http://schemas.microsoft.com/office/drawing/2014/main" id="{8326C40F-DB2C-51BA-38B0-47460255209A}"/>
+          <p:cNvPr id="3189" name="Rectangle 3188">
+            <a:extLst>
+              <a:ext uri="{FF2B5EF4-FFF2-40B4-BE49-F238E27FC236}">
+                <a16:creationId xmlns:a16="http://schemas.microsoft.com/office/drawing/2014/main" id="{AA5026F6-C3E0-53B9-603C-B1035F9847CD}"/>
               </a:ext>
             </a:extLst>
           </p:cNvPr>
@@ -6048,26 +5699,27 @@
         </p:nvSpPr>
         <p:spPr>
           <a:xfrm>
-            <a:off x="5724525" y="3108261"/>
-            <a:ext cx="1215866" cy="1439636"/>
+            <a:off x="743267" y="489393"/>
+            <a:ext cx="211010" cy="176626"/>
           </a:xfrm>
-          <a:prstGeom prst="roundRect">
+          <a:prstGeom prst="rect">
             <a:avLst/>
           </a:prstGeom>
           <a:noFill/>
           <a:ln>
             <a:noFill/>
           </a:ln>
-          <a:effectLst/>
         </p:spPr>
         <p:style>
-          <a:lnRef idx="1">
-            <a:schemeClr val="accent1"/>
+          <a:lnRef idx="2">
+            <a:schemeClr val="accent1">
+              <a:shade val="15000"/>
+            </a:schemeClr>
           </a:lnRef>
-          <a:fillRef idx="3">
+          <a:fillRef idx="1">
             <a:schemeClr val="accent1"/>
           </a:fillRef>
-          <a:effectRef idx="2">
+          <a:effectRef idx="0">
             <a:schemeClr val="accent1"/>
           </a:effectRef>
           <a:fontRef idx="minor">
@@ -6079,126 +5731,85 @@
           <a:lstStyle/>
           <a:p>
             <a:pPr algn="ctr"/>
-            <a:endParaRPr lang="en-SG" sz="1200" dirty="0">
-              <a:latin typeface="Arial" panose="020B0604020202020204" pitchFamily="34" charset="0"/>
-              <a:cs typeface="Arial" panose="020B0604020202020204" pitchFamily="34" charset="0"/>
-            </a:endParaRPr>
+            <a:endParaRPr lang="en-SG"/>
           </a:p>
         </p:txBody>
       </p:sp>
-      <p:pic>
-        <p:nvPicPr>
-          <p:cNvPr id="3154" name="Picture 3153">
-            <a:extLst>
-              <a:ext uri="{FF2B5EF4-FFF2-40B4-BE49-F238E27FC236}">
-                <a16:creationId xmlns:a16="http://schemas.microsoft.com/office/drawing/2014/main" id="{8EC77833-FB19-FCB0-DAD1-5B33908E63FE}"/>
-              </a:ext>
-            </a:extLst>
-          </p:cNvPr>
-          <p:cNvPicPr>
-            <a:picLocks noChangeAspect="1"/>
-          </p:cNvPicPr>
+      <p:sp>
+        <p:nvSpPr>
+          <p:cNvPr id="3192" name="Rectangle 3191">
+            <a:extLst>
+              <a:ext uri="{FF2B5EF4-FFF2-40B4-BE49-F238E27FC236}">
+                <a16:creationId xmlns:a16="http://schemas.microsoft.com/office/drawing/2014/main" id="{4288E567-F0D3-0AAA-09B2-0CF09BF87F73}"/>
+              </a:ext>
+            </a:extLst>
+          </p:cNvPr>
+          <p:cNvSpPr/>
           <p:nvPr/>
-        </p:nvPicPr>
-        <p:blipFill>
-          <a:blip r:embed="rId4"/>
-          <a:stretch>
-            <a:fillRect/>
-          </a:stretch>
-        </p:blipFill>
+        </p:nvSpPr>
         <p:spPr>
           <a:xfrm>
-            <a:off x="5785795" y="3320523"/>
-            <a:ext cx="1083034" cy="1094535"/>
+            <a:off x="941434" y="6386785"/>
+            <a:ext cx="211010" cy="176626"/>
           </a:xfrm>
           <a:prstGeom prst="rect">
             <a:avLst/>
           </a:prstGeom>
+          <a:noFill/>
+          <a:ln>
+            <a:noFill/>
+          </a:ln>
         </p:spPr>
-      </p:pic>
-      <p:pic>
-        <p:nvPicPr>
-          <p:cNvPr id="3194" name="Picture 3193">
-            <a:extLst>
-              <a:ext uri="{FF2B5EF4-FFF2-40B4-BE49-F238E27FC236}">
-                <a16:creationId xmlns:a16="http://schemas.microsoft.com/office/drawing/2014/main" id="{049ADC92-9B97-7AA5-0E14-16B566476FDC}"/>
-              </a:ext>
-            </a:extLst>
-          </p:cNvPr>
-          <p:cNvPicPr>
-            <a:picLocks noChangeAspect="1"/>
-          </p:cNvPicPr>
-          <p:nvPr/>
-        </p:nvPicPr>
-        <p:blipFill>
-          <a:blip r:embed="rId5"/>
-          <a:stretch>
-            <a:fillRect/>
-          </a:stretch>
-        </p:blipFill>
-        <p:spPr>
-          <a:xfrm>
-            <a:off x="9041491" y="3349200"/>
-            <a:ext cx="1813996" cy="887904"/>
-          </a:xfrm>
-          <a:prstGeom prst="rect">
-            <a:avLst/>
-          </a:prstGeom>
-        </p:spPr>
-      </p:pic>
-      <p:pic>
-        <p:nvPicPr>
-          <p:cNvPr id="23" name="Picture 22">
-            <a:extLst>
-              <a:ext uri="{FF2B5EF4-FFF2-40B4-BE49-F238E27FC236}">
-                <a16:creationId xmlns:a16="http://schemas.microsoft.com/office/drawing/2014/main" id="{BBEA0F3B-79A3-7223-1DD3-60A596A6983C}"/>
-              </a:ext>
-            </a:extLst>
-          </p:cNvPr>
-          <p:cNvPicPr>
-            <a:picLocks noChangeAspect="1"/>
-          </p:cNvPicPr>
-          <p:nvPr/>
-        </p:nvPicPr>
-        <p:blipFill>
-          <a:blip r:embed="rId6"/>
-          <a:stretch>
-            <a:fillRect/>
-          </a:stretch>
-        </p:blipFill>
-        <p:spPr>
-          <a:xfrm>
-            <a:off x="7326217" y="3246759"/>
-            <a:ext cx="1116601" cy="1109535"/>
-          </a:xfrm>
-          <a:prstGeom prst="rect">
-            <a:avLst/>
-          </a:prstGeom>
-        </p:spPr>
-      </p:pic>
+        <p:style>
+          <a:lnRef idx="2">
+            <a:schemeClr val="accent1">
+              <a:shade val="15000"/>
+            </a:schemeClr>
+          </a:lnRef>
+          <a:fillRef idx="1">
+            <a:schemeClr val="accent1"/>
+          </a:fillRef>
+          <a:effectRef idx="0">
+            <a:schemeClr val="accent1"/>
+          </a:effectRef>
+          <a:fontRef idx="minor">
+            <a:schemeClr val="lt1"/>
+          </a:fontRef>
+        </p:style>
+        <p:txBody>
+          <a:bodyPr rtlCol="0" anchor="ctr"/>
+          <a:lstStyle/>
+          <a:p>
+            <a:pPr algn="ctr"/>
+            <a:endParaRPr lang="en-SG"/>
+          </a:p>
+        </p:txBody>
+      </p:sp>
       <p:cxnSp>
         <p:nvCxnSpPr>
-          <p:cNvPr id="2" name="Straight Arrow Connector 1">
-            <a:extLst>
-              <a:ext uri="{FF2B5EF4-FFF2-40B4-BE49-F238E27FC236}">
-                <a16:creationId xmlns:a16="http://schemas.microsoft.com/office/drawing/2014/main" id="{8CC10D02-0CF0-241D-C3E4-79EE23EE09C8}"/>
+          <p:cNvPr id="2242" name="Connector: Elbow 2241">
+            <a:extLst>
+              <a:ext uri="{FF2B5EF4-FFF2-40B4-BE49-F238E27FC236}">
+                <a16:creationId xmlns:a16="http://schemas.microsoft.com/office/drawing/2014/main" id="{0B5AD0EE-6489-70B9-286E-874473C77892}"/>
               </a:ext>
             </a:extLst>
           </p:cNvPr>
           <p:cNvCxnSpPr>
             <a:cxnSpLocks/>
             <a:stCxn id="2179" idx="2"/>
-            <a:endCxn id="3103" idx="0"/>
+            <a:endCxn id="2251" idx="0"/>
           </p:cNvCxnSpPr>
           <p:nvPr/>
         </p:nvCxnSpPr>
         <p:spPr>
-          <a:xfrm flipH="1">
-            <a:off x="6330489" y="2883474"/>
-            <a:ext cx="4537" cy="188727"/>
+          <a:xfrm rot="5400000">
+            <a:off x="1576951" y="1640727"/>
+            <a:ext cx="345057" cy="1387606"/>
           </a:xfrm>
-          <a:prstGeom prst="straightConnector1">
-            <a:avLst/>
+          <a:prstGeom prst="bentConnector3">
+            <a:avLst>
+              <a:gd name="adj1" fmla="val 50000"/>
+            </a:avLst>
           </a:prstGeom>
           <a:ln>
             <a:prstDash val="sysDash"/>
@@ -6220,6 +5831,56 @@
           </a:fontRef>
         </p:style>
       </p:cxnSp>
+      <p:sp>
+        <p:nvSpPr>
+          <p:cNvPr id="2251" name="Rectangle 2250">
+            <a:extLst>
+              <a:ext uri="{FF2B5EF4-FFF2-40B4-BE49-F238E27FC236}">
+                <a16:creationId xmlns:a16="http://schemas.microsoft.com/office/drawing/2014/main" id="{B2AC94A9-ACD2-44F3-7404-2B9774576804}"/>
+              </a:ext>
+            </a:extLst>
+          </p:cNvPr>
+          <p:cNvSpPr/>
+          <p:nvPr/>
+        </p:nvSpPr>
+        <p:spPr>
+          <a:xfrm>
+            <a:off x="950171" y="2507059"/>
+            <a:ext cx="211010" cy="176626"/>
+          </a:xfrm>
+          <a:prstGeom prst="rect">
+            <a:avLst/>
+          </a:prstGeom>
+          <a:noFill/>
+          <a:ln>
+            <a:noFill/>
+          </a:ln>
+        </p:spPr>
+        <p:style>
+          <a:lnRef idx="2">
+            <a:schemeClr val="accent1">
+              <a:shade val="15000"/>
+            </a:schemeClr>
+          </a:lnRef>
+          <a:fillRef idx="1">
+            <a:schemeClr val="accent1"/>
+          </a:fillRef>
+          <a:effectRef idx="0">
+            <a:schemeClr val="accent1"/>
+          </a:effectRef>
+          <a:fontRef idx="minor">
+            <a:schemeClr val="lt1"/>
+          </a:fontRef>
+        </p:style>
+        <p:txBody>
+          <a:bodyPr rtlCol="0" anchor="ctr"/>
+          <a:lstStyle/>
+          <a:p>
+            <a:pPr algn="ctr"/>
+            <a:endParaRPr lang="en-SG"/>
+          </a:p>
+        </p:txBody>
+      </p:sp>
     </p:spTree>
     <p:extLst>
       <p:ext uri="{BB962C8B-B14F-4D97-AF65-F5344CB8AC3E}">
@@ -6233,7 +5894,7 @@
 </p:sld>
 </file>
 
-<file path=ppt/slides/slide4.xml><?xml version="1.0" encoding="utf-8"?>
+<file path=ppt/slides/slide6.xml><?xml version="1.0" encoding="utf-8"?>
 <p:sld xmlns:a="http://schemas.openxmlformats.org/drawingml/2006/main" xmlns:r="http://schemas.openxmlformats.org/officeDocument/2006/relationships" xmlns:p="http://schemas.openxmlformats.org/presentationml/2006/main">
   <p:cSld>
     <p:spTree>
@@ -8537,7 +8198,7 @@
 </p:sld>
 </file>
 
-<file path=ppt/slides/slide5.xml><?xml version="1.0" encoding="utf-8"?>
+<file path=ppt/slides/slide7.xml><?xml version="1.0" encoding="utf-8"?>
 <p:sld xmlns:a="http://schemas.openxmlformats.org/drawingml/2006/main" xmlns:r="http://schemas.openxmlformats.org/officeDocument/2006/relationships" xmlns:p="http://schemas.openxmlformats.org/presentationml/2006/main">
   <p:cSld>
     <p:spTree>
